--- a/HAN_AdvancedJava_Ch02-Streaming API & Other Java8 Features.pptx
+++ b/HAN_AdvancedJava_Ch02-Streaming API & Other Java8 Features.pptx
@@ -295,7 +295,7 @@
   </p:defaultTextStyle>
   <p:extLst>
     <p:ext uri="{EFAFB233-063F-42B5-8137-9DF3F51BA10A}">
-      <p15:sldGuideLst xmlns:p15="http://schemas.microsoft.com/office/powerpoint/2012/main" xmlns="">
+      <p15:sldGuideLst xmlns:p15="http://schemas.microsoft.com/office/powerpoint/2012/main">
         <p15:guide id="1" orient="horz" pos="2160">
           <p15:clr>
             <a:srgbClr val="A4A3A4"/>
@@ -319,10 +319,10 @@
       </p15:sldGuideLst>
     </p:ext>
     <p:ext uri="{2D200454-40CA-4A62-9FC3-DE9A4176ACB9}">
-      <p15:notesGuideLst xmlns:p15="http://schemas.microsoft.com/office/powerpoint/2012/main" xmlns=""/>
+      <p15:notesGuideLst xmlns:p15="http://schemas.microsoft.com/office/powerpoint/2012/main"/>
     </p:ext>
     <p:ext uri="http://customooxmlschemas.google.com/">
-      <go:slidesCustomData xmlns:go="http://customooxmlschemas.google.com/" xmlns:p15="http://schemas.microsoft.com/office/powerpoint/2012/main" xmlns:p14="http://schemas.microsoft.com/office/powerpoint/2010/main" xmlns:com="http://schemas.openxmlformats.org/drawingml/2006/compatibility" xmlns:pvml="urn:schemas-microsoft-com:office:powerpoint" xmlns:v="urn:schemas-microsoft-com:vml" xmlns:o="urn:schemas-microsoft-com:office:office" xmlns:dgm="http://schemas.openxmlformats.org/drawingml/2006/diagram" xmlns:c="http://schemas.openxmlformats.org/drawingml/2006/chart" xmlns:mv="urn:schemas-microsoft-com:mac:vml" xmlns:mc="http://schemas.openxmlformats.org/markup-compatibility/2006" xmlns="" r:id="rId56" roundtripDataSignature="AMtx7mh+9/dCSlYobEHwms6iFvXqxM7Fgg=="/>
+      <go:slidesCustomData xmlns="" xmlns:mc="http://schemas.openxmlformats.org/markup-compatibility/2006" xmlns:mv="urn:schemas-microsoft-com:mac:vml" xmlns:c="http://schemas.openxmlformats.org/drawingml/2006/chart" xmlns:dgm="http://schemas.openxmlformats.org/drawingml/2006/diagram" xmlns:o="urn:schemas-microsoft-com:office:office" xmlns:v="urn:schemas-microsoft-com:vml" xmlns:pvml="urn:schemas-microsoft-com:office:powerpoint" xmlns:com="http://schemas.openxmlformats.org/drawingml/2006/compatibility" xmlns:p14="http://schemas.microsoft.com/office/powerpoint/2010/main" xmlns:p15="http://schemas.microsoft.com/office/powerpoint/2012/main" xmlns:go="http://customooxmlschemas.google.com/" r:id="rId56" roundtripDataSignature="AMtx7mh+9/dCSlYobEHwms6iFvXqxM7Fgg=="/>
     </p:ext>
   </p:extLst>
 </p:presentation>
@@ -1629,7 +1629,7 @@
     </p:spTree>
     <p:extLst>
       <p:ext uri="{BB962C8B-B14F-4D97-AF65-F5344CB8AC3E}">
-        <p14:creationId xmlns:p14="http://schemas.microsoft.com/office/powerpoint/2010/main" xmlns="" val="3984651239"/>
+        <p14:creationId xmlns:p14="http://schemas.microsoft.com/office/powerpoint/2010/main" val="3984651239"/>
       </p:ext>
     </p:extLst>
   </p:cSld>
@@ -1707,7 +1707,7 @@
     </p:spTree>
     <p:extLst>
       <p:ext uri="{BB962C8B-B14F-4D97-AF65-F5344CB8AC3E}">
-        <p14:creationId xmlns:p14="http://schemas.microsoft.com/office/powerpoint/2010/main" xmlns="" val="2894303812"/>
+        <p14:creationId xmlns:p14="http://schemas.microsoft.com/office/powerpoint/2010/main" val="2894303812"/>
       </p:ext>
     </p:extLst>
   </p:cSld>
@@ -1746,8 +1746,8 @@
         </p:nvSpPr>
         <p:spPr>
           <a:xfrm>
-            <a:off x="412750" y="701675"/>
-            <a:ext cx="6229350" cy="3508375"/>
+            <a:off x="409575" y="701675"/>
+            <a:ext cx="6235700" cy="3508375"/>
           </a:xfrm>
         </p:spPr>
       </p:sp>
@@ -1773,7 +1773,7 @@
     </p:spTree>
     <p:extLst>
       <p:ext uri="{BB962C8B-B14F-4D97-AF65-F5344CB8AC3E}">
-        <p14:creationId xmlns:p14="http://schemas.microsoft.com/office/powerpoint/2010/main" xmlns="" val="3661321734"/>
+        <p14:creationId xmlns:p14="http://schemas.microsoft.com/office/powerpoint/2010/main" val="3661321734"/>
       </p:ext>
     </p:extLst>
   </p:cSld>
@@ -1812,8 +1812,8 @@
         </p:nvSpPr>
         <p:spPr>
           <a:xfrm>
-            <a:off x="412750" y="701675"/>
-            <a:ext cx="6229350" cy="3508375"/>
+            <a:off x="409575" y="701675"/>
+            <a:ext cx="6235700" cy="3508375"/>
           </a:xfrm>
         </p:spPr>
       </p:sp>
@@ -1839,7 +1839,7 @@
     </p:spTree>
     <p:extLst>
       <p:ext uri="{BB962C8B-B14F-4D97-AF65-F5344CB8AC3E}">
-        <p14:creationId xmlns:p14="http://schemas.microsoft.com/office/powerpoint/2010/main" xmlns="" val="1499086007"/>
+        <p14:creationId xmlns:p14="http://schemas.microsoft.com/office/powerpoint/2010/main" val="1499086007"/>
       </p:ext>
     </p:extLst>
   </p:cSld>
@@ -1905,7 +1905,7 @@
     </p:spTree>
     <p:extLst>
       <p:ext uri="{BB962C8B-B14F-4D97-AF65-F5344CB8AC3E}">
-        <p14:creationId xmlns:p14="http://schemas.microsoft.com/office/powerpoint/2010/main" xmlns="" val="1239888915"/>
+        <p14:creationId xmlns:p14="http://schemas.microsoft.com/office/powerpoint/2010/main" val="1239888915"/>
       </p:ext>
     </p:extLst>
   </p:cSld>
@@ -1971,7 +1971,7 @@
     </p:spTree>
     <p:extLst>
       <p:ext uri="{BB962C8B-B14F-4D97-AF65-F5344CB8AC3E}">
-        <p14:creationId xmlns:p14="http://schemas.microsoft.com/office/powerpoint/2010/main" xmlns="" val="359551070"/>
+        <p14:creationId xmlns:p14="http://schemas.microsoft.com/office/powerpoint/2010/main" val="359551070"/>
       </p:ext>
     </p:extLst>
   </p:cSld>
@@ -2037,7 +2037,7 @@
     </p:spTree>
     <p:extLst>
       <p:ext uri="{BB962C8B-B14F-4D97-AF65-F5344CB8AC3E}">
-        <p14:creationId xmlns:p14="http://schemas.microsoft.com/office/powerpoint/2010/main" xmlns="" val="1285813637"/>
+        <p14:creationId xmlns:p14="http://schemas.microsoft.com/office/powerpoint/2010/main" val="1285813637"/>
       </p:ext>
     </p:extLst>
   </p:cSld>
@@ -2107,15 +2107,15 @@
         </p:nvSpPr>
         <p:spPr>
           <a:xfrm>
-            <a:off x="412750" y="701675"/>
-            <a:ext cx="6229350" cy="3508375"/>
+            <a:off x="409575" y="701675"/>
+            <a:ext cx="6235700" cy="3508375"/>
           </a:xfrm>
         </p:spPr>
       </p:sp>
     </p:spTree>
     <p:extLst>
       <p:ext uri="{BB962C8B-B14F-4D97-AF65-F5344CB8AC3E}">
-        <p14:creationId xmlns:p14="http://schemas.microsoft.com/office/powerpoint/2010/main" xmlns="" val="482027550"/>
+        <p14:creationId xmlns:p14="http://schemas.microsoft.com/office/powerpoint/2010/main" val="482027550"/>
       </p:ext>
     </p:extLst>
   </p:cSld>
@@ -2154,8 +2154,8 @@
         </p:nvSpPr>
         <p:spPr>
           <a:xfrm>
-            <a:off x="412750" y="701675"/>
-            <a:ext cx="6229350" cy="3508375"/>
+            <a:off x="409575" y="701675"/>
+            <a:ext cx="6235700" cy="3508375"/>
           </a:xfrm>
         </p:spPr>
       </p:sp>
@@ -2181,7 +2181,7 @@
     </p:spTree>
     <p:extLst>
       <p:ext uri="{BB962C8B-B14F-4D97-AF65-F5344CB8AC3E}">
-        <p14:creationId xmlns:p14="http://schemas.microsoft.com/office/powerpoint/2010/main" xmlns="" val="4002156476"/>
+        <p14:creationId xmlns:p14="http://schemas.microsoft.com/office/powerpoint/2010/main" val="4002156476"/>
       </p:ext>
     </p:extLst>
   </p:cSld>
@@ -2247,7 +2247,7 @@
     </p:spTree>
     <p:extLst>
       <p:ext uri="{BB962C8B-B14F-4D97-AF65-F5344CB8AC3E}">
-        <p14:creationId xmlns:p14="http://schemas.microsoft.com/office/powerpoint/2010/main" xmlns="" val="4284105492"/>
+        <p14:creationId xmlns:p14="http://schemas.microsoft.com/office/powerpoint/2010/main" val="4284105492"/>
       </p:ext>
     </p:extLst>
   </p:cSld>
@@ -2313,7 +2313,7 @@
     </p:spTree>
     <p:extLst>
       <p:ext uri="{BB962C8B-B14F-4D97-AF65-F5344CB8AC3E}">
-        <p14:creationId xmlns:p14="http://schemas.microsoft.com/office/powerpoint/2010/main" xmlns="" val="599040171"/>
+        <p14:creationId xmlns:p14="http://schemas.microsoft.com/office/powerpoint/2010/main" val="599040171"/>
       </p:ext>
     </p:extLst>
   </p:cSld>
@@ -2377,7 +2377,7 @@
     </p:spTree>
     <p:extLst>
       <p:ext uri="{BB962C8B-B14F-4D97-AF65-F5344CB8AC3E}">
-        <p14:creationId xmlns:p14="http://schemas.microsoft.com/office/powerpoint/2010/main" xmlns="" val="766601081"/>
+        <p14:creationId xmlns:p14="http://schemas.microsoft.com/office/powerpoint/2010/main" val="766601081"/>
       </p:ext>
     </p:extLst>
   </p:cSld>
@@ -2443,7 +2443,7 @@
     </p:spTree>
     <p:extLst>
       <p:ext uri="{BB962C8B-B14F-4D97-AF65-F5344CB8AC3E}">
-        <p14:creationId xmlns:p14="http://schemas.microsoft.com/office/powerpoint/2010/main" xmlns="" val="2215038299"/>
+        <p14:creationId xmlns:p14="http://schemas.microsoft.com/office/powerpoint/2010/main" val="2215038299"/>
       </p:ext>
     </p:extLst>
   </p:cSld>
@@ -2482,8 +2482,8 @@
         </p:nvSpPr>
         <p:spPr>
           <a:xfrm>
-            <a:off x="412750" y="701675"/>
-            <a:ext cx="6229350" cy="3508375"/>
+            <a:off x="409575" y="701675"/>
+            <a:ext cx="6235700" cy="3508375"/>
           </a:xfrm>
         </p:spPr>
       </p:sp>
@@ -2509,7 +2509,7 @@
     </p:spTree>
     <p:extLst>
       <p:ext uri="{BB962C8B-B14F-4D97-AF65-F5344CB8AC3E}">
-        <p14:creationId xmlns:p14="http://schemas.microsoft.com/office/powerpoint/2010/main" xmlns="" val="3547951714"/>
+        <p14:creationId xmlns:p14="http://schemas.microsoft.com/office/powerpoint/2010/main" val="3547951714"/>
       </p:ext>
     </p:extLst>
   </p:cSld>
@@ -2548,8 +2548,8 @@
         </p:nvSpPr>
         <p:spPr>
           <a:xfrm>
-            <a:off x="412750" y="701675"/>
-            <a:ext cx="6229350" cy="3508375"/>
+            <a:off x="409575" y="701675"/>
+            <a:ext cx="6235700" cy="3508375"/>
           </a:xfrm>
         </p:spPr>
       </p:sp>
@@ -2575,7 +2575,7 @@
     </p:spTree>
     <p:extLst>
       <p:ext uri="{BB962C8B-B14F-4D97-AF65-F5344CB8AC3E}">
-        <p14:creationId xmlns:p14="http://schemas.microsoft.com/office/powerpoint/2010/main" xmlns="" val="959113017"/>
+        <p14:creationId xmlns:p14="http://schemas.microsoft.com/office/powerpoint/2010/main" val="959113017"/>
       </p:ext>
     </p:extLst>
   </p:cSld>
@@ -2641,7 +2641,7 @@
     </p:spTree>
     <p:extLst>
       <p:ext uri="{BB962C8B-B14F-4D97-AF65-F5344CB8AC3E}">
-        <p14:creationId xmlns:p14="http://schemas.microsoft.com/office/powerpoint/2010/main" xmlns="" val="2034171975"/>
+        <p14:creationId xmlns:p14="http://schemas.microsoft.com/office/powerpoint/2010/main" val="2034171975"/>
       </p:ext>
     </p:extLst>
   </p:cSld>
@@ -2707,7 +2707,7 @@
     </p:spTree>
     <p:extLst>
       <p:ext uri="{BB962C8B-B14F-4D97-AF65-F5344CB8AC3E}">
-        <p14:creationId xmlns:p14="http://schemas.microsoft.com/office/powerpoint/2010/main" xmlns="" val="601772539"/>
+        <p14:creationId xmlns:p14="http://schemas.microsoft.com/office/powerpoint/2010/main" val="601772539"/>
       </p:ext>
     </p:extLst>
   </p:cSld>
@@ -2777,15 +2777,15 @@
         </p:nvSpPr>
         <p:spPr>
           <a:xfrm>
-            <a:off x="412750" y="701675"/>
-            <a:ext cx="6229350" cy="3508375"/>
+            <a:off x="409575" y="701675"/>
+            <a:ext cx="6235700" cy="3508375"/>
           </a:xfrm>
         </p:spPr>
       </p:sp>
     </p:spTree>
     <p:extLst>
       <p:ext uri="{BB962C8B-B14F-4D97-AF65-F5344CB8AC3E}">
-        <p14:creationId xmlns:p14="http://schemas.microsoft.com/office/powerpoint/2010/main" xmlns="" val="3976272187"/>
+        <p14:creationId xmlns:p14="http://schemas.microsoft.com/office/powerpoint/2010/main" val="3976272187"/>
       </p:ext>
     </p:extLst>
   </p:cSld>
@@ -2824,8 +2824,8 @@
         </p:nvSpPr>
         <p:spPr>
           <a:xfrm>
-            <a:off x="412750" y="701675"/>
-            <a:ext cx="6229350" cy="3508375"/>
+            <a:off x="409575" y="701675"/>
+            <a:ext cx="6235700" cy="3508375"/>
           </a:xfrm>
         </p:spPr>
       </p:sp>
@@ -2851,7 +2851,7 @@
     </p:spTree>
     <p:extLst>
       <p:ext uri="{BB962C8B-B14F-4D97-AF65-F5344CB8AC3E}">
-        <p14:creationId xmlns:p14="http://schemas.microsoft.com/office/powerpoint/2010/main" xmlns="" val="1277232086"/>
+        <p14:creationId xmlns:p14="http://schemas.microsoft.com/office/powerpoint/2010/main" val="1277232086"/>
       </p:ext>
     </p:extLst>
   </p:cSld>
@@ -2890,8 +2890,8 @@
         </p:nvSpPr>
         <p:spPr>
           <a:xfrm>
-            <a:off x="412750" y="701675"/>
-            <a:ext cx="6229350" cy="3508375"/>
+            <a:off x="409575" y="701675"/>
+            <a:ext cx="6235700" cy="3508375"/>
           </a:xfrm>
         </p:spPr>
       </p:sp>
@@ -2917,7 +2917,7 @@
     </p:spTree>
     <p:extLst>
       <p:ext uri="{BB962C8B-B14F-4D97-AF65-F5344CB8AC3E}">
-        <p14:creationId xmlns:p14="http://schemas.microsoft.com/office/powerpoint/2010/main" xmlns="" val="2598341760"/>
+        <p14:creationId xmlns:p14="http://schemas.microsoft.com/office/powerpoint/2010/main" val="2598341760"/>
       </p:ext>
     </p:extLst>
   </p:cSld>
@@ -2983,7 +2983,7 @@
     </p:spTree>
     <p:extLst>
       <p:ext uri="{BB962C8B-B14F-4D97-AF65-F5344CB8AC3E}">
-        <p14:creationId xmlns:p14="http://schemas.microsoft.com/office/powerpoint/2010/main" xmlns="" val="2975200065"/>
+        <p14:creationId xmlns:p14="http://schemas.microsoft.com/office/powerpoint/2010/main" val="2975200065"/>
       </p:ext>
     </p:extLst>
   </p:cSld>
@@ -3049,7 +3049,7 @@
     </p:spTree>
     <p:extLst>
       <p:ext uri="{BB962C8B-B14F-4D97-AF65-F5344CB8AC3E}">
-        <p14:creationId xmlns:p14="http://schemas.microsoft.com/office/powerpoint/2010/main" xmlns="" val="1524068107"/>
+        <p14:creationId xmlns:p14="http://schemas.microsoft.com/office/powerpoint/2010/main" val="1524068107"/>
       </p:ext>
     </p:extLst>
   </p:cSld>
@@ -3088,8 +3088,8 @@
         </p:nvSpPr>
         <p:spPr>
           <a:xfrm>
-            <a:off x="412750" y="701675"/>
-            <a:ext cx="6229350" cy="3508375"/>
+            <a:off x="409575" y="701675"/>
+            <a:ext cx="6235700" cy="3508375"/>
           </a:xfrm>
         </p:spPr>
       </p:sp>
@@ -3115,7 +3115,7 @@
     </p:spTree>
     <p:extLst>
       <p:ext uri="{BB962C8B-B14F-4D97-AF65-F5344CB8AC3E}">
-        <p14:creationId xmlns:p14="http://schemas.microsoft.com/office/powerpoint/2010/main" xmlns="" val="2665014825"/>
+        <p14:creationId xmlns:p14="http://schemas.microsoft.com/office/powerpoint/2010/main" val="2665014825"/>
       </p:ext>
     </p:extLst>
   </p:cSld>
@@ -3185,15 +3185,15 @@
         </p:nvSpPr>
         <p:spPr>
           <a:xfrm>
-            <a:off x="412750" y="701675"/>
-            <a:ext cx="6229350" cy="3508375"/>
+            <a:off x="409575" y="701675"/>
+            <a:ext cx="6235700" cy="3508375"/>
           </a:xfrm>
         </p:spPr>
       </p:sp>
     </p:spTree>
     <p:extLst>
       <p:ext uri="{BB962C8B-B14F-4D97-AF65-F5344CB8AC3E}">
-        <p14:creationId xmlns:p14="http://schemas.microsoft.com/office/powerpoint/2010/main" xmlns="" val="3358460053"/>
+        <p14:creationId xmlns:p14="http://schemas.microsoft.com/office/powerpoint/2010/main" val="3358460053"/>
       </p:ext>
     </p:extLst>
   </p:cSld>
@@ -3232,8 +3232,8 @@
         </p:nvSpPr>
         <p:spPr>
           <a:xfrm>
-            <a:off x="412750" y="701675"/>
-            <a:ext cx="6229350" cy="3508375"/>
+            <a:off x="409575" y="701675"/>
+            <a:ext cx="6235700" cy="3508375"/>
           </a:xfrm>
         </p:spPr>
       </p:sp>
@@ -3259,7 +3259,7 @@
     </p:spTree>
     <p:extLst>
       <p:ext uri="{BB962C8B-B14F-4D97-AF65-F5344CB8AC3E}">
-        <p14:creationId xmlns:p14="http://schemas.microsoft.com/office/powerpoint/2010/main" xmlns="" val="949408587"/>
+        <p14:creationId xmlns:p14="http://schemas.microsoft.com/office/powerpoint/2010/main" val="949408587"/>
       </p:ext>
     </p:extLst>
   </p:cSld>
@@ -3298,8 +3298,8 @@
         </p:nvSpPr>
         <p:spPr>
           <a:xfrm>
-            <a:off x="412750" y="701675"/>
-            <a:ext cx="6229350" cy="3508375"/>
+            <a:off x="409575" y="701675"/>
+            <a:ext cx="6235700" cy="3508375"/>
           </a:xfrm>
         </p:spPr>
       </p:sp>
@@ -3325,7 +3325,7 @@
     </p:spTree>
     <p:extLst>
       <p:ext uri="{BB962C8B-B14F-4D97-AF65-F5344CB8AC3E}">
-        <p14:creationId xmlns:p14="http://schemas.microsoft.com/office/powerpoint/2010/main" xmlns="" val="2634243844"/>
+        <p14:creationId xmlns:p14="http://schemas.microsoft.com/office/powerpoint/2010/main" val="2634243844"/>
       </p:ext>
     </p:extLst>
   </p:cSld>
@@ -3364,8 +3364,8 @@
         </p:nvSpPr>
         <p:spPr>
           <a:xfrm>
-            <a:off x="412750" y="701675"/>
-            <a:ext cx="6229350" cy="3508375"/>
+            <a:off x="409575" y="701675"/>
+            <a:ext cx="6235700" cy="3508375"/>
           </a:xfrm>
         </p:spPr>
       </p:sp>
@@ -3391,7 +3391,7 @@
     </p:spTree>
     <p:extLst>
       <p:ext uri="{BB962C8B-B14F-4D97-AF65-F5344CB8AC3E}">
-        <p14:creationId xmlns:p14="http://schemas.microsoft.com/office/powerpoint/2010/main" xmlns="" val="3597735008"/>
+        <p14:creationId xmlns:p14="http://schemas.microsoft.com/office/powerpoint/2010/main" val="3597735008"/>
       </p:ext>
     </p:extLst>
   </p:cSld>
@@ -3430,8 +3430,8 @@
         </p:nvSpPr>
         <p:spPr>
           <a:xfrm>
-            <a:off x="412750" y="701675"/>
-            <a:ext cx="6229350" cy="3508375"/>
+            <a:off x="409575" y="701675"/>
+            <a:ext cx="6235700" cy="3508375"/>
           </a:xfrm>
         </p:spPr>
       </p:sp>
@@ -3457,7 +3457,7 @@
     </p:spTree>
     <p:extLst>
       <p:ext uri="{BB962C8B-B14F-4D97-AF65-F5344CB8AC3E}">
-        <p14:creationId xmlns:p14="http://schemas.microsoft.com/office/powerpoint/2010/main" xmlns="" val="4102067510"/>
+        <p14:creationId xmlns:p14="http://schemas.microsoft.com/office/powerpoint/2010/main" val="4102067510"/>
       </p:ext>
     </p:extLst>
   </p:cSld>
@@ -3496,8 +3496,8 @@
         </p:nvSpPr>
         <p:spPr>
           <a:xfrm>
-            <a:off x="412750" y="701675"/>
-            <a:ext cx="6229350" cy="3508375"/>
+            <a:off x="409575" y="701675"/>
+            <a:ext cx="6235700" cy="3508375"/>
           </a:xfrm>
         </p:spPr>
       </p:sp>
@@ -3523,7 +3523,7 @@
     </p:spTree>
     <p:extLst>
       <p:ext uri="{BB962C8B-B14F-4D97-AF65-F5344CB8AC3E}">
-        <p14:creationId xmlns:p14="http://schemas.microsoft.com/office/powerpoint/2010/main" xmlns="" val="4108006838"/>
+        <p14:creationId xmlns:p14="http://schemas.microsoft.com/office/powerpoint/2010/main" val="4108006838"/>
       </p:ext>
     </p:extLst>
   </p:cSld>
@@ -3584,7 +3584,7 @@
     </p:spTree>
     <p:extLst>
       <p:ext uri="{BB962C8B-B14F-4D97-AF65-F5344CB8AC3E}">
-        <p14:creationId xmlns:p14="http://schemas.microsoft.com/office/powerpoint/2010/main" xmlns="" val="2491834981"/>
+        <p14:creationId xmlns:p14="http://schemas.microsoft.com/office/powerpoint/2010/main" val="2491834981"/>
       </p:ext>
     </p:extLst>
   </p:cSld>
@@ -3650,7 +3650,7 @@
     </p:spTree>
     <p:extLst>
       <p:ext uri="{BB962C8B-B14F-4D97-AF65-F5344CB8AC3E}">
-        <p14:creationId xmlns:p14="http://schemas.microsoft.com/office/powerpoint/2010/main" xmlns="" val="1132629557"/>
+        <p14:creationId xmlns:p14="http://schemas.microsoft.com/office/powerpoint/2010/main" val="1132629557"/>
       </p:ext>
     </p:extLst>
   </p:cSld>
@@ -3689,8 +3689,8 @@
         </p:nvSpPr>
         <p:spPr>
           <a:xfrm>
-            <a:off x="412750" y="701675"/>
-            <a:ext cx="6229350" cy="3508375"/>
+            <a:off x="409575" y="701675"/>
+            <a:ext cx="6235700" cy="3508375"/>
           </a:xfrm>
         </p:spPr>
       </p:sp>
@@ -3716,7 +3716,7 @@
     </p:spTree>
     <p:extLst>
       <p:ext uri="{BB962C8B-B14F-4D97-AF65-F5344CB8AC3E}">
-        <p14:creationId xmlns:p14="http://schemas.microsoft.com/office/powerpoint/2010/main" xmlns="" val="2111024038"/>
+        <p14:creationId xmlns:p14="http://schemas.microsoft.com/office/powerpoint/2010/main" val="2111024038"/>
       </p:ext>
     </p:extLst>
   </p:cSld>
@@ -3755,8 +3755,8 @@
         </p:nvSpPr>
         <p:spPr>
           <a:xfrm>
-            <a:off x="412750" y="701675"/>
-            <a:ext cx="6229350" cy="3508375"/>
+            <a:off x="409575" y="701675"/>
+            <a:ext cx="6235700" cy="3508375"/>
           </a:xfrm>
         </p:spPr>
       </p:sp>
@@ -3782,7 +3782,7 @@
     </p:spTree>
     <p:extLst>
       <p:ext uri="{BB962C8B-B14F-4D97-AF65-F5344CB8AC3E}">
-        <p14:creationId xmlns:p14="http://schemas.microsoft.com/office/powerpoint/2010/main" xmlns="" val="1489338768"/>
+        <p14:creationId xmlns:p14="http://schemas.microsoft.com/office/powerpoint/2010/main" val="1489338768"/>
       </p:ext>
     </p:extLst>
   </p:cSld>
@@ -3852,15 +3852,15 @@
         </p:nvSpPr>
         <p:spPr>
           <a:xfrm>
-            <a:off x="412750" y="701675"/>
-            <a:ext cx="6229350" cy="3508375"/>
+            <a:off x="409575" y="701675"/>
+            <a:ext cx="6235700" cy="3508375"/>
           </a:xfrm>
         </p:spPr>
       </p:sp>
     </p:spTree>
     <p:extLst>
       <p:ext uri="{BB962C8B-B14F-4D97-AF65-F5344CB8AC3E}">
-        <p14:creationId xmlns:p14="http://schemas.microsoft.com/office/powerpoint/2010/main" xmlns="" val="229134494"/>
+        <p14:creationId xmlns:p14="http://schemas.microsoft.com/office/powerpoint/2010/main" val="229134494"/>
       </p:ext>
     </p:extLst>
   </p:cSld>
@@ -3899,8 +3899,8 @@
         </p:nvSpPr>
         <p:spPr>
           <a:xfrm>
-            <a:off x="412750" y="701675"/>
-            <a:ext cx="6229350" cy="3508375"/>
+            <a:off x="409575" y="701675"/>
+            <a:ext cx="6235700" cy="3508375"/>
           </a:xfrm>
         </p:spPr>
       </p:sp>
@@ -3926,7 +3926,7 @@
     </p:spTree>
     <p:extLst>
       <p:ext uri="{BB962C8B-B14F-4D97-AF65-F5344CB8AC3E}">
-        <p14:creationId xmlns:p14="http://schemas.microsoft.com/office/powerpoint/2010/main" xmlns="" val="1420050221"/>
+        <p14:creationId xmlns:p14="http://schemas.microsoft.com/office/powerpoint/2010/main" val="1420050221"/>
       </p:ext>
     </p:extLst>
   </p:cSld>
@@ -3992,7 +3992,7 @@
     </p:spTree>
     <p:extLst>
       <p:ext uri="{BB962C8B-B14F-4D97-AF65-F5344CB8AC3E}">
-        <p14:creationId xmlns:p14="http://schemas.microsoft.com/office/powerpoint/2010/main" xmlns="" val="548328452"/>
+        <p14:creationId xmlns:p14="http://schemas.microsoft.com/office/powerpoint/2010/main" val="548328452"/>
       </p:ext>
     </p:extLst>
   </p:cSld>
@@ -4058,7 +4058,7 @@
     </p:spTree>
     <p:extLst>
       <p:ext uri="{BB962C8B-B14F-4D97-AF65-F5344CB8AC3E}">
-        <p14:creationId xmlns:p14="http://schemas.microsoft.com/office/powerpoint/2010/main" xmlns="" val="2904357777"/>
+        <p14:creationId xmlns:p14="http://schemas.microsoft.com/office/powerpoint/2010/main" val="2904357777"/>
       </p:ext>
     </p:extLst>
   </p:cSld>
@@ -4097,8 +4097,8 @@
         </p:nvSpPr>
         <p:spPr>
           <a:xfrm>
-            <a:off x="412750" y="701675"/>
-            <a:ext cx="6229350" cy="3508375"/>
+            <a:off x="409575" y="701675"/>
+            <a:ext cx="6235700" cy="3508375"/>
           </a:xfrm>
         </p:spPr>
       </p:sp>
@@ -4124,7 +4124,7 @@
     </p:spTree>
     <p:extLst>
       <p:ext uri="{BB962C8B-B14F-4D97-AF65-F5344CB8AC3E}">
-        <p14:creationId xmlns:p14="http://schemas.microsoft.com/office/powerpoint/2010/main" xmlns="" val="1795871956"/>
+        <p14:creationId xmlns:p14="http://schemas.microsoft.com/office/powerpoint/2010/main" val="1795871956"/>
       </p:ext>
     </p:extLst>
   </p:cSld>
@@ -4163,8 +4163,8 @@
         </p:nvSpPr>
         <p:spPr>
           <a:xfrm>
-            <a:off x="412750" y="701675"/>
-            <a:ext cx="6229350" cy="3508375"/>
+            <a:off x="409575" y="701675"/>
+            <a:ext cx="6235700" cy="3508375"/>
           </a:xfrm>
         </p:spPr>
       </p:sp>
@@ -4190,7 +4190,7 @@
     </p:spTree>
     <p:extLst>
       <p:ext uri="{BB962C8B-B14F-4D97-AF65-F5344CB8AC3E}">
-        <p14:creationId xmlns:p14="http://schemas.microsoft.com/office/powerpoint/2010/main" xmlns="" val="777128229"/>
+        <p14:creationId xmlns:p14="http://schemas.microsoft.com/office/powerpoint/2010/main" val="777128229"/>
       </p:ext>
     </p:extLst>
   </p:cSld>
@@ -4256,7 +4256,7 @@
     </p:spTree>
     <p:extLst>
       <p:ext uri="{BB962C8B-B14F-4D97-AF65-F5344CB8AC3E}">
-        <p14:creationId xmlns:p14="http://schemas.microsoft.com/office/powerpoint/2010/main" xmlns="" val="1022661709"/>
+        <p14:creationId xmlns:p14="http://schemas.microsoft.com/office/powerpoint/2010/main" val="1022661709"/>
       </p:ext>
     </p:extLst>
   </p:cSld>
@@ -4295,8 +4295,8 @@
         </p:nvSpPr>
         <p:spPr>
           <a:xfrm>
-            <a:off x="412750" y="701675"/>
-            <a:ext cx="6229350" cy="3508375"/>
+            <a:off x="409575" y="701675"/>
+            <a:ext cx="6235700" cy="3508375"/>
           </a:xfrm>
         </p:spPr>
       </p:sp>
@@ -4322,7 +4322,7 @@
     </p:spTree>
     <p:extLst>
       <p:ext uri="{BB962C8B-B14F-4D97-AF65-F5344CB8AC3E}">
-        <p14:creationId xmlns:p14="http://schemas.microsoft.com/office/powerpoint/2010/main" xmlns="" val="3675691534"/>
+        <p14:creationId xmlns:p14="http://schemas.microsoft.com/office/powerpoint/2010/main" val="3675691534"/>
       </p:ext>
     </p:extLst>
   </p:cSld>
@@ -4361,8 +4361,8 @@
         </p:nvSpPr>
         <p:spPr>
           <a:xfrm>
-            <a:off x="412750" y="701675"/>
-            <a:ext cx="6229350" cy="3508375"/>
+            <a:off x="409575" y="701675"/>
+            <a:ext cx="6235700" cy="3508375"/>
           </a:xfrm>
         </p:spPr>
       </p:sp>
@@ -4388,7 +4388,7 @@
     </p:spTree>
     <p:extLst>
       <p:ext uri="{BB962C8B-B14F-4D97-AF65-F5344CB8AC3E}">
-        <p14:creationId xmlns:p14="http://schemas.microsoft.com/office/powerpoint/2010/main" xmlns="" val="2635120144"/>
+        <p14:creationId xmlns:p14="http://schemas.microsoft.com/office/powerpoint/2010/main" val="2635120144"/>
       </p:ext>
     </p:extLst>
   </p:cSld>
@@ -4427,8 +4427,8 @@
         </p:nvSpPr>
         <p:spPr>
           <a:xfrm>
-            <a:off x="412750" y="701675"/>
-            <a:ext cx="6229350" cy="3508375"/>
+            <a:off x="409575" y="701675"/>
+            <a:ext cx="6235700" cy="3508375"/>
           </a:xfrm>
         </p:spPr>
       </p:sp>
@@ -4454,7 +4454,7 @@
     </p:spTree>
     <p:extLst>
       <p:ext uri="{BB962C8B-B14F-4D97-AF65-F5344CB8AC3E}">
-        <p14:creationId xmlns:p14="http://schemas.microsoft.com/office/powerpoint/2010/main" xmlns="" val="3275327848"/>
+        <p14:creationId xmlns:p14="http://schemas.microsoft.com/office/powerpoint/2010/main" val="3275327848"/>
       </p:ext>
     </p:extLst>
   </p:cSld>
@@ -4493,8 +4493,8 @@
         </p:nvSpPr>
         <p:spPr>
           <a:xfrm>
-            <a:off x="412750" y="701675"/>
-            <a:ext cx="6229350" cy="3508375"/>
+            <a:off x="409575" y="701675"/>
+            <a:ext cx="6235700" cy="3508375"/>
           </a:xfrm>
         </p:spPr>
       </p:sp>
@@ -4520,7 +4520,7 @@
     </p:spTree>
     <p:extLst>
       <p:ext uri="{BB962C8B-B14F-4D97-AF65-F5344CB8AC3E}">
-        <p14:creationId xmlns:p14="http://schemas.microsoft.com/office/powerpoint/2010/main" xmlns="" val="2431732126"/>
+        <p14:creationId xmlns:p14="http://schemas.microsoft.com/office/powerpoint/2010/main" val="2431732126"/>
       </p:ext>
     </p:extLst>
   </p:cSld>
@@ -4559,8 +4559,8 @@
         </p:nvSpPr>
         <p:spPr>
           <a:xfrm>
-            <a:off x="412750" y="701675"/>
-            <a:ext cx="6229350" cy="3508375"/>
+            <a:off x="409575" y="701675"/>
+            <a:ext cx="6235700" cy="3508375"/>
           </a:xfrm>
         </p:spPr>
       </p:sp>
@@ -4586,7 +4586,7 @@
     </p:spTree>
     <p:extLst>
       <p:ext uri="{BB962C8B-B14F-4D97-AF65-F5344CB8AC3E}">
-        <p14:creationId xmlns:p14="http://schemas.microsoft.com/office/powerpoint/2010/main" xmlns="" val="1233139710"/>
+        <p14:creationId xmlns:p14="http://schemas.microsoft.com/office/powerpoint/2010/main" val="1233139710"/>
       </p:ext>
     </p:extLst>
   </p:cSld>
@@ -4646,1199 +4646,1198 @@
           <a:lstStyle/>
           <a:p>
             <a:r>
-              <a:rPr lang="en-US" dirty="0" smtClean="0"/>
+              <a:rPr lang="en-US" dirty="0"/>
               <a:t>Customer(1, 'Stefan Walker', 1);</a:t>
             </a:r>
           </a:p>
           <a:p>
             <a:r>
-              <a:rPr lang="en-US" dirty="0" smtClean="0"/>
+              <a:rPr lang="en-US" dirty="0"/>
               <a:t>Customer(2, '</a:t>
             </a:r>
             <a:r>
-              <a:rPr lang="en-US" dirty="0" err="1" smtClean="0"/>
+              <a:rPr lang="en-US" dirty="0" err="1"/>
               <a:t>Daija</a:t>
             </a:r>
             <a:r>
-              <a:rPr lang="en-US" dirty="0" smtClean="0"/>
+              <a:rPr lang="en-US" dirty="0"/>
               <a:t> Von', 1);</a:t>
             </a:r>
           </a:p>
           <a:p>
             <a:r>
-              <a:rPr lang="en-US" dirty="0" smtClean="0"/>
+              <a:rPr lang="en-US" dirty="0"/>
               <a:t>Customer(3, '</a:t>
             </a:r>
             <a:r>
-              <a:rPr lang="en-US" dirty="0" err="1" smtClean="0"/>
+              <a:rPr lang="en-US" dirty="0" err="1"/>
               <a:t>Ariane</a:t>
             </a:r>
             <a:r>
-              <a:rPr lang="en-US" dirty="0" smtClean="0"/>
+              <a:rPr lang="en-US" dirty="0"/>
               <a:t> Rodriguez', 1);</a:t>
             </a:r>
           </a:p>
           <a:p>
             <a:r>
-              <a:rPr lang="en-US" dirty="0" smtClean="0"/>
+              <a:rPr lang="en-US" dirty="0"/>
               <a:t>Customer(4, 'Marques </a:t>
             </a:r>
             <a:r>
-              <a:rPr lang="en-US" dirty="0" err="1" smtClean="0"/>
+              <a:rPr lang="en-US" dirty="0" err="1"/>
               <a:t>Nikolaus</a:t>
             </a:r>
             <a:r>
-              <a:rPr lang="en-US" dirty="0" smtClean="0"/>
+              <a:rPr lang="en-US" dirty="0"/>
               <a:t>', 2);</a:t>
             </a:r>
           </a:p>
           <a:p>
             <a:r>
-              <a:rPr lang="en-US" dirty="0" smtClean="0"/>
+              <a:rPr lang="en-US" dirty="0"/>
               <a:t>Customer(5, 'Rachelle </a:t>
             </a:r>
             <a:r>
-              <a:rPr lang="en-US" dirty="0" err="1" smtClean="0"/>
+              <a:rPr lang="en-US" dirty="0" err="1"/>
               <a:t>Greenfelder</a:t>
             </a:r>
             <a:r>
-              <a:rPr lang="en-US" dirty="0" smtClean="0"/>
+              <a:rPr lang="en-US" dirty="0"/>
               <a:t>', 0);</a:t>
             </a:r>
           </a:p>
           <a:p>
             <a:r>
-              <a:rPr lang="en-US" dirty="0" smtClean="0"/>
+              <a:rPr lang="en-US" dirty="0"/>
               <a:t>Customer(6, 'Larissa White', 2);</a:t>
             </a:r>
           </a:p>
           <a:p>
             <a:r>
-              <a:rPr lang="en-US" dirty="0" smtClean="0"/>
+              <a:rPr lang="en-US" dirty="0"/>
               <a:t>Customer(7, '</a:t>
             </a:r>
             <a:r>
-              <a:rPr lang="en-US" dirty="0" err="1" smtClean="0"/>
+              <a:rPr lang="en-US" dirty="0" err="1"/>
               <a:t>Fae</a:t>
             </a:r>
             <a:r>
-              <a:rPr lang="en-US" dirty="0" smtClean="0"/>
+              <a:rPr lang="en-US" dirty="0"/>
               <a:t> </a:t>
             </a:r>
             <a:r>
-              <a:rPr lang="en-US" dirty="0" err="1" smtClean="0"/>
+              <a:rPr lang="en-US" dirty="0" err="1"/>
               <a:t>Heidenreich</a:t>
             </a:r>
             <a:r>
-              <a:rPr lang="en-US" dirty="0" smtClean="0"/>
+              <a:rPr lang="en-US" dirty="0"/>
               <a:t>', 1);</a:t>
             </a:r>
           </a:p>
           <a:p>
             <a:r>
-              <a:rPr lang="en-US" dirty="0" smtClean="0"/>
+              <a:rPr lang="en-US" dirty="0"/>
               <a:t>Customer(8, 'Dino Will', 2);</a:t>
             </a:r>
           </a:p>
           <a:p>
             <a:r>
-              <a:rPr lang="en-US" dirty="0" smtClean="0"/>
+              <a:rPr lang="en-US" dirty="0"/>
               <a:t>Customer(9, '</a:t>
             </a:r>
             <a:r>
-              <a:rPr lang="en-US" dirty="0" err="1" smtClean="0"/>
+              <a:rPr lang="en-US" dirty="0" err="1"/>
               <a:t>Eloy</a:t>
             </a:r>
             <a:r>
-              <a:rPr lang="en-US" dirty="0" smtClean="0"/>
+              <a:rPr lang="en-US" dirty="0"/>
               <a:t> </a:t>
             </a:r>
             <a:r>
-              <a:rPr lang="en-US" dirty="0" err="1" smtClean="0"/>
+              <a:rPr lang="en-US" dirty="0" err="1"/>
               <a:t>Stroman</a:t>
             </a:r>
             <a:r>
-              <a:rPr lang="en-US" dirty="0" smtClean="0"/>
+              <a:rPr lang="en-US" dirty="0"/>
               <a:t>', 1);</a:t>
             </a:r>
           </a:p>
           <a:p>
             <a:r>
-              <a:rPr lang="en-US" dirty="0" smtClean="0"/>
+              <a:rPr lang="en-US" dirty="0"/>
               <a:t>Customer(10, '</a:t>
             </a:r>
             <a:r>
-              <a:rPr lang="en-US" dirty="0" err="1" smtClean="0"/>
+              <a:rPr lang="en-US" dirty="0" err="1"/>
               <a:t>Brisa</a:t>
             </a:r>
             <a:r>
-              <a:rPr lang="en-US" dirty="0" smtClean="0"/>
+              <a:rPr lang="en-US" dirty="0"/>
               <a:t> </a:t>
             </a:r>
             <a:r>
-              <a:rPr lang="en-US" dirty="0" err="1" smtClean="0"/>
+              <a:rPr lang="en-US" dirty="0" err="1"/>
               <a:t>O''Connell</a:t>
             </a:r>
             <a:r>
-              <a:rPr lang="en-US" dirty="0" smtClean="0"/>
+              <a:rPr lang="en-US" dirty="0"/>
               <a:t>', 1);</a:t>
             </a:r>
           </a:p>
           <a:p>
             <a:r>
-              <a:rPr lang="en-US" dirty="0" smtClean="0"/>
+              <a:rPr lang="en-US" dirty="0"/>
               <a:t>Product(1, '</a:t>
             </a:r>
             <a:r>
-              <a:rPr lang="en-US" dirty="0" err="1" smtClean="0"/>
+              <a:rPr lang="en-US" dirty="0" err="1"/>
               <a:t>omnis</a:t>
             </a:r>
             <a:r>
-              <a:rPr lang="en-US" dirty="0" smtClean="0"/>
+              <a:rPr lang="en-US" dirty="0"/>
               <a:t> quod </a:t>
             </a:r>
             <a:r>
-              <a:rPr lang="en-US" dirty="0" err="1" smtClean="0"/>
+              <a:rPr lang="en-US" dirty="0" err="1"/>
               <a:t>consequatur</a:t>
             </a:r>
             <a:r>
-              <a:rPr lang="en-US" dirty="0" smtClean="0"/>
+              <a:rPr lang="en-US" dirty="0"/>
               <a:t>', 'Games', 184.83);</a:t>
             </a:r>
           </a:p>
           <a:p>
             <a:r>
-              <a:rPr lang="en-US" dirty="0" smtClean="0"/>
+              <a:rPr lang="en-US" dirty="0"/>
               <a:t>Product(2, '</a:t>
             </a:r>
             <a:r>
-              <a:rPr lang="en-US" dirty="0" err="1" smtClean="0"/>
+              <a:rPr lang="en-US" dirty="0" err="1"/>
               <a:t>vel</a:t>
             </a:r>
             <a:r>
-              <a:rPr lang="en-US" dirty="0" smtClean="0"/>
+              <a:rPr lang="en-US" dirty="0"/>
               <a:t> </a:t>
             </a:r>
             <a:r>
-              <a:rPr lang="en-US" dirty="0" err="1" smtClean="0"/>
+              <a:rPr lang="en-US" dirty="0" err="1"/>
               <a:t>libero</a:t>
             </a:r>
             <a:r>
-              <a:rPr lang="en-US" dirty="0" smtClean="0"/>
+              <a:rPr lang="en-US" dirty="0"/>
               <a:t> </a:t>
             </a:r>
             <a:r>
-              <a:rPr lang="en-US" dirty="0" err="1" smtClean="0"/>
+              <a:rPr lang="en-US" dirty="0" err="1"/>
               <a:t>suscipit</a:t>
             </a:r>
             <a:r>
-              <a:rPr lang="en-US" dirty="0" smtClean="0"/>
+              <a:rPr lang="en-US" dirty="0"/>
               <a:t>', 'Toys', 12.66);</a:t>
             </a:r>
           </a:p>
           <a:p>
             <a:r>
-              <a:rPr lang="en-US" dirty="0" smtClean="0"/>
+              <a:rPr lang="en-US" dirty="0"/>
               <a:t>Product(3, 'non </a:t>
             </a:r>
             <a:r>
-              <a:rPr lang="en-US" dirty="0" err="1" smtClean="0"/>
+              <a:rPr lang="en-US" dirty="0" err="1"/>
               <a:t>nemo</a:t>
             </a:r>
             <a:r>
-              <a:rPr lang="en-US" dirty="0" smtClean="0"/>
+              <a:rPr lang="en-US" dirty="0"/>
               <a:t> </a:t>
             </a:r>
             <a:r>
-              <a:rPr lang="en-US" dirty="0" err="1" smtClean="0"/>
+              <a:rPr lang="en-US" dirty="0" err="1"/>
               <a:t>iure</a:t>
             </a:r>
             <a:r>
-              <a:rPr lang="en-US" dirty="0" smtClean="0"/>
+              <a:rPr lang="en-US" dirty="0"/>
               <a:t>', 'Grocery', 498.02);</a:t>
             </a:r>
           </a:p>
           <a:p>
             <a:r>
-              <a:rPr lang="en-US" dirty="0" smtClean="0"/>
+              <a:rPr lang="en-US" dirty="0"/>
               <a:t>Product(4, '</a:t>
             </a:r>
             <a:r>
-              <a:rPr lang="en-US" dirty="0" err="1" smtClean="0"/>
+              <a:rPr lang="en-US" dirty="0" err="1"/>
               <a:t>voluptatem</a:t>
             </a:r>
             <a:r>
-              <a:rPr lang="en-US" dirty="0" smtClean="0"/>
+              <a:rPr lang="en-US" dirty="0"/>
               <a:t> </a:t>
             </a:r>
             <a:r>
-              <a:rPr lang="en-US" dirty="0" err="1" smtClean="0"/>
+              <a:rPr lang="en-US" dirty="0" err="1"/>
               <a:t>voluptas</a:t>
             </a:r>
             <a:r>
-              <a:rPr lang="en-US" dirty="0" smtClean="0"/>
+              <a:rPr lang="en-US" dirty="0"/>
               <a:t> </a:t>
             </a:r>
             <a:r>
-              <a:rPr lang="en-US" dirty="0" err="1" smtClean="0"/>
+              <a:rPr lang="en-US" dirty="0" err="1"/>
               <a:t>aspernatur</a:t>
             </a:r>
             <a:r>
-              <a:rPr lang="en-US" dirty="0" smtClean="0"/>
+              <a:rPr lang="en-US" dirty="0"/>
               <a:t>', 'Toys', 536.80);</a:t>
             </a:r>
           </a:p>
           <a:p>
             <a:r>
-              <a:rPr lang="en-US" dirty="0" smtClean="0"/>
+              <a:rPr lang="en-US" dirty="0"/>
               <a:t>Product(5, '</a:t>
             </a:r>
             <a:r>
-              <a:rPr lang="en-US" dirty="0" err="1" smtClean="0"/>
+              <a:rPr lang="en-US" dirty="0" err="1"/>
               <a:t>animi</a:t>
             </a:r>
             <a:r>
-              <a:rPr lang="en-US" dirty="0" smtClean="0"/>
+              <a:rPr lang="en-US" dirty="0"/>
               <a:t> cum </a:t>
             </a:r>
             <a:r>
-              <a:rPr lang="en-US" dirty="0" err="1" smtClean="0"/>
+              <a:rPr lang="en-US" dirty="0" err="1"/>
               <a:t>rem</a:t>
             </a:r>
             <a:r>
-              <a:rPr lang="en-US" dirty="0" smtClean="0"/>
+              <a:rPr lang="en-US" dirty="0"/>
               <a:t>', 'Games', 458.20);</a:t>
             </a:r>
           </a:p>
           <a:p>
             <a:r>
-              <a:rPr lang="en-US" dirty="0" smtClean="0"/>
+              <a:rPr lang="en-US" dirty="0"/>
               <a:t>Product(6, '</a:t>
             </a:r>
             <a:r>
-              <a:rPr lang="en-US" dirty="0" err="1" smtClean="0"/>
+              <a:rPr lang="en-US" dirty="0" err="1"/>
               <a:t>dolorem</a:t>
             </a:r>
             <a:r>
-              <a:rPr lang="en-US" dirty="0" smtClean="0"/>
+              <a:rPr lang="en-US" dirty="0"/>
               <a:t> </a:t>
             </a:r>
             <a:r>
-              <a:rPr lang="en-US" dirty="0" err="1" smtClean="0"/>
+              <a:rPr lang="en-US" dirty="0" err="1"/>
               <a:t>porro</a:t>
             </a:r>
             <a:r>
-              <a:rPr lang="en-US" dirty="0" smtClean="0"/>
+              <a:rPr lang="en-US" dirty="0"/>
               <a:t> </a:t>
             </a:r>
             <a:r>
-              <a:rPr lang="en-US" dirty="0" err="1" smtClean="0"/>
+              <a:rPr lang="en-US" dirty="0" err="1"/>
               <a:t>debitis</a:t>
             </a:r>
             <a:r>
-              <a:rPr lang="en-US" dirty="0" smtClean="0"/>
+              <a:rPr lang="en-US" dirty="0"/>
               <a:t>', 'Toys', 146.52);</a:t>
             </a:r>
           </a:p>
           <a:p>
             <a:r>
-              <a:rPr lang="en-US" dirty="0" smtClean="0"/>
+              <a:rPr lang="en-US" dirty="0"/>
               <a:t>Product(7, '</a:t>
             </a:r>
             <a:r>
-              <a:rPr lang="en-US" dirty="0" err="1" smtClean="0"/>
+              <a:rPr lang="en-US" dirty="0" err="1"/>
               <a:t>aspernatur</a:t>
             </a:r>
             <a:r>
-              <a:rPr lang="en-US" dirty="0" smtClean="0"/>
+              <a:rPr lang="en-US" dirty="0"/>
               <a:t> </a:t>
             </a:r>
             <a:r>
-              <a:rPr lang="en-US" dirty="0" err="1" smtClean="0"/>
+              <a:rPr lang="en-US" dirty="0" err="1"/>
               <a:t>rerum</a:t>
             </a:r>
             <a:r>
-              <a:rPr lang="en-US" dirty="0" smtClean="0"/>
+              <a:rPr lang="en-US" dirty="0"/>
               <a:t> qui', 'Books', 656.42);</a:t>
             </a:r>
           </a:p>
           <a:p>
             <a:r>
-              <a:rPr lang="en-US" dirty="0" smtClean="0"/>
+              <a:rPr lang="en-US" dirty="0"/>
               <a:t>Product(8, '</a:t>
             </a:r>
             <a:r>
-              <a:rPr lang="en-US" dirty="0" err="1" smtClean="0"/>
+              <a:rPr lang="en-US" dirty="0" err="1"/>
               <a:t>deleniti</a:t>
             </a:r>
             <a:r>
-              <a:rPr lang="en-US" dirty="0" smtClean="0"/>
+              <a:rPr lang="en-US" dirty="0"/>
               <a:t> </a:t>
             </a:r>
             <a:r>
-              <a:rPr lang="en-US" dirty="0" err="1" smtClean="0"/>
+              <a:rPr lang="en-US" dirty="0" err="1"/>
               <a:t>earum</a:t>
             </a:r>
             <a:r>
-              <a:rPr lang="en-US" dirty="0" smtClean="0"/>
+              <a:rPr lang="en-US" dirty="0"/>
               <a:t> et', 'Baby', 41.46);</a:t>
             </a:r>
           </a:p>
           <a:p>
             <a:r>
-              <a:rPr lang="en-US" dirty="0" smtClean="0"/>
+              <a:rPr lang="en-US" dirty="0"/>
               <a:t>Product(9, '</a:t>
             </a:r>
             <a:r>
-              <a:rPr lang="en-US" dirty="0" err="1" smtClean="0"/>
+              <a:rPr lang="en-US" dirty="0" err="1"/>
               <a:t>voluptas</a:t>
             </a:r>
             <a:r>
-              <a:rPr lang="en-US" dirty="0" smtClean="0"/>
+              <a:rPr lang="en-US" dirty="0"/>
               <a:t> </a:t>
             </a:r>
             <a:r>
-              <a:rPr lang="en-US" dirty="0" err="1" smtClean="0"/>
+              <a:rPr lang="en-US" dirty="0" err="1"/>
               <a:t>ut</a:t>
             </a:r>
             <a:r>
-              <a:rPr lang="en-US" dirty="0" smtClean="0"/>
+              <a:rPr lang="en-US" dirty="0"/>
               <a:t> </a:t>
             </a:r>
             <a:r>
-              <a:rPr lang="en-US" dirty="0" err="1" smtClean="0"/>
+              <a:rPr lang="en-US" dirty="0" err="1"/>
               <a:t>quidem</a:t>
             </a:r>
             <a:r>
-              <a:rPr lang="en-US" dirty="0" smtClean="0"/>
+              <a:rPr lang="en-US" dirty="0"/>
               <a:t>', 'Books', 697.57);</a:t>
             </a:r>
           </a:p>
           <a:p>
             <a:r>
-              <a:rPr lang="en-US" dirty="0" smtClean="0"/>
+              <a:rPr lang="en-US" dirty="0"/>
               <a:t>Product(10, '</a:t>
             </a:r>
             <a:r>
-              <a:rPr lang="en-US" dirty="0" err="1" smtClean="0"/>
+              <a:rPr lang="en-US" dirty="0" err="1"/>
               <a:t>eos</a:t>
             </a:r>
             <a:r>
-              <a:rPr lang="en-US" dirty="0" smtClean="0"/>
+              <a:rPr lang="en-US" dirty="0"/>
               <a:t> </a:t>
             </a:r>
             <a:r>
-              <a:rPr lang="en-US" dirty="0" err="1" smtClean="0"/>
+              <a:rPr lang="en-US" dirty="0" err="1"/>
               <a:t>sed</a:t>
             </a:r>
             <a:r>
-              <a:rPr lang="en-US" dirty="0" smtClean="0"/>
+              <a:rPr lang="en-US" dirty="0"/>
               <a:t> </a:t>
             </a:r>
             <a:r>
-              <a:rPr lang="en-US" dirty="0" err="1" smtClean="0"/>
+              <a:rPr lang="en-US" dirty="0" err="1"/>
               <a:t>debitis</a:t>
             </a:r>
             <a:r>
-              <a:rPr lang="en-US" dirty="0" smtClean="0"/>
+              <a:rPr lang="en-US" dirty="0"/>
               <a:t>', 'Baby', 366.90);</a:t>
             </a:r>
           </a:p>
           <a:p>
             <a:r>
-              <a:rPr lang="en-US" dirty="0" smtClean="0"/>
+              <a:rPr lang="en-US" dirty="0"/>
               <a:t>Product(11, '</a:t>
             </a:r>
             <a:r>
-              <a:rPr lang="en-US" dirty="0" err="1" smtClean="0"/>
+              <a:rPr lang="en-US" dirty="0" err="1"/>
               <a:t>laudantium</a:t>
             </a:r>
             <a:r>
-              <a:rPr lang="en-US" dirty="0" smtClean="0"/>
+              <a:rPr lang="en-US" dirty="0"/>
               <a:t> sit </a:t>
             </a:r>
             <a:r>
-              <a:rPr lang="en-US" dirty="0" err="1" smtClean="0"/>
+              <a:rPr lang="en-US" dirty="0" err="1"/>
               <a:t>nihil</a:t>
             </a:r>
             <a:r>
-              <a:rPr lang="en-US" dirty="0" smtClean="0"/>
+              <a:rPr lang="en-US" dirty="0"/>
               <a:t>', 'Toys', 95.50);</a:t>
             </a:r>
           </a:p>
           <a:p>
             <a:r>
-              <a:rPr lang="en-US" dirty="0" smtClean="0"/>
+              <a:rPr lang="en-US" dirty="0"/>
               <a:t>Product(12, '</a:t>
             </a:r>
             <a:r>
-              <a:rPr lang="en-US" dirty="0" err="1" smtClean="0"/>
+              <a:rPr lang="en-US" dirty="0" err="1"/>
               <a:t>ut</a:t>
             </a:r>
             <a:r>
-              <a:rPr lang="en-US" dirty="0" smtClean="0"/>
+              <a:rPr lang="en-US" dirty="0"/>
               <a:t> </a:t>
             </a:r>
             <a:r>
-              <a:rPr lang="en-US" dirty="0" err="1" smtClean="0"/>
+              <a:rPr lang="en-US" dirty="0" err="1"/>
               <a:t>perferendis</a:t>
             </a:r>
             <a:r>
-              <a:rPr lang="en-US" dirty="0" smtClean="0"/>
+              <a:rPr lang="en-US" dirty="0"/>
               <a:t> </a:t>
             </a:r>
             <a:r>
-              <a:rPr lang="en-US" dirty="0" err="1" smtClean="0"/>
+              <a:rPr lang="en-US" dirty="0" err="1"/>
               <a:t>corporis</a:t>
             </a:r>
             <a:r>
-              <a:rPr lang="en-US" dirty="0" smtClean="0"/>
+              <a:rPr lang="en-US" dirty="0"/>
               <a:t>', 'Grocery', 302.19);</a:t>
             </a:r>
           </a:p>
           <a:p>
             <a:r>
-              <a:rPr lang="en-US" dirty="0" smtClean="0"/>
+              <a:rPr lang="en-US" dirty="0"/>
               <a:t>Product(13, '</a:t>
             </a:r>
             <a:r>
-              <a:rPr lang="en-US" dirty="0" err="1" smtClean="0"/>
+              <a:rPr lang="en-US" dirty="0" err="1"/>
               <a:t>sint</a:t>
             </a:r>
             <a:r>
-              <a:rPr lang="en-US" dirty="0" smtClean="0"/>
+              <a:rPr lang="en-US" dirty="0"/>
               <a:t> </a:t>
             </a:r>
             <a:r>
-              <a:rPr lang="en-US" dirty="0" err="1" smtClean="0"/>
+              <a:rPr lang="en-US" dirty="0" err="1"/>
               <a:t>voluptatem</a:t>
             </a:r>
             <a:r>
-              <a:rPr lang="en-US" dirty="0" smtClean="0"/>
+              <a:rPr lang="en-US" dirty="0"/>
               <a:t> </a:t>
             </a:r>
             <a:r>
-              <a:rPr lang="en-US" dirty="0" err="1" smtClean="0"/>
+              <a:rPr lang="en-US" dirty="0" err="1"/>
               <a:t>ut</a:t>
             </a:r>
             <a:r>
-              <a:rPr lang="en-US" dirty="0" smtClean="0"/>
+              <a:rPr lang="en-US" dirty="0"/>
               <a:t>', 'Toys', 295.37);</a:t>
             </a:r>
           </a:p>
           <a:p>
             <a:r>
-              <a:rPr lang="en-US" dirty="0" smtClean="0"/>
+              <a:rPr lang="en-US" dirty="0"/>
               <a:t>Product(14, 'quos </a:t>
             </a:r>
             <a:r>
-              <a:rPr lang="en-US" dirty="0" err="1" smtClean="0"/>
+              <a:rPr lang="en-US" dirty="0" err="1"/>
               <a:t>sunt</a:t>
             </a:r>
             <a:r>
-              <a:rPr lang="en-US" dirty="0" smtClean="0"/>
+              <a:rPr lang="en-US" dirty="0"/>
               <a:t> </a:t>
             </a:r>
             <a:r>
-              <a:rPr lang="en-US" dirty="0" err="1" smtClean="0"/>
+              <a:rPr lang="en-US" dirty="0" err="1"/>
               <a:t>ipsam</a:t>
             </a:r>
             <a:r>
-              <a:rPr lang="en-US" dirty="0" smtClean="0"/>
+              <a:rPr lang="en-US" dirty="0"/>
               <a:t>', 'Grocery', 534.64);</a:t>
             </a:r>
           </a:p>
           <a:p>
             <a:r>
-              <a:rPr lang="en-US" dirty="0" smtClean="0"/>
+              <a:rPr lang="en-US" dirty="0"/>
               <a:t>Product(15, 'qui </a:t>
             </a:r>
             <a:r>
-              <a:rPr lang="en-US" dirty="0" err="1" smtClean="0"/>
+              <a:rPr lang="en-US" dirty="0" err="1"/>
               <a:t>illo</a:t>
             </a:r>
             <a:r>
-              <a:rPr lang="en-US" dirty="0" smtClean="0"/>
+              <a:rPr lang="en-US" dirty="0"/>
               <a:t> error', 'Baby', 623.58);</a:t>
             </a:r>
           </a:p>
           <a:p>
             <a:r>
-              <a:rPr lang="en-US" dirty="0" smtClean="0"/>
+              <a:rPr lang="en-US" dirty="0"/>
               <a:t>Product(16, '</a:t>
             </a:r>
             <a:r>
-              <a:rPr lang="en-US" dirty="0" err="1" smtClean="0"/>
+              <a:rPr lang="en-US" dirty="0" err="1"/>
               <a:t>aut</a:t>
             </a:r>
             <a:r>
-              <a:rPr lang="en-US" dirty="0" smtClean="0"/>
+              <a:rPr lang="en-US" dirty="0"/>
               <a:t> ex </a:t>
             </a:r>
             <a:r>
-              <a:rPr lang="en-US" dirty="0" err="1" smtClean="0"/>
+              <a:rPr lang="en-US" dirty="0" err="1"/>
               <a:t>ducimus</a:t>
             </a:r>
             <a:r>
-              <a:rPr lang="en-US" dirty="0" smtClean="0"/>
+              <a:rPr lang="en-US" dirty="0"/>
               <a:t>', 'Books', 551.39);</a:t>
             </a:r>
           </a:p>
           <a:p>
             <a:r>
-              <a:rPr lang="en-US" dirty="0" smtClean="0"/>
+              <a:rPr lang="en-US" dirty="0"/>
               <a:t>Product(17, '</a:t>
             </a:r>
             <a:r>
-              <a:rPr lang="en-US" dirty="0" err="1" smtClean="0"/>
+              <a:rPr lang="en-US" dirty="0" err="1"/>
               <a:t>accusamus</a:t>
             </a:r>
             <a:r>
-              <a:rPr lang="en-US" dirty="0" smtClean="0"/>
+              <a:rPr lang="en-US" dirty="0"/>
               <a:t> </a:t>
             </a:r>
             <a:r>
-              <a:rPr lang="en-US" dirty="0" err="1" smtClean="0"/>
+              <a:rPr lang="en-US" dirty="0" err="1"/>
               <a:t>repellendus</a:t>
             </a:r>
             <a:r>
-              <a:rPr lang="en-US" dirty="0" smtClean="0"/>
+              <a:rPr lang="en-US" dirty="0"/>
               <a:t> minus', 'Books', 240.58);</a:t>
             </a:r>
           </a:p>
           <a:p>
             <a:r>
-              <a:rPr lang="en-US" dirty="0" smtClean="0"/>
+              <a:rPr lang="en-US" dirty="0"/>
               <a:t>Product(18, '</a:t>
             </a:r>
             <a:r>
-              <a:rPr lang="en-US" dirty="0" err="1" smtClean="0"/>
+              <a:rPr lang="en-US" dirty="0" err="1"/>
               <a:t>aut</a:t>
             </a:r>
             <a:r>
-              <a:rPr lang="en-US" dirty="0" smtClean="0"/>
+              <a:rPr lang="en-US" dirty="0"/>
               <a:t> </a:t>
             </a:r>
             <a:r>
-              <a:rPr lang="en-US" dirty="0" err="1" smtClean="0"/>
+              <a:rPr lang="en-US" dirty="0" err="1"/>
               <a:t>accusamus</a:t>
             </a:r>
             <a:r>
-              <a:rPr lang="en-US" dirty="0" smtClean="0"/>
+              <a:rPr lang="en-US" dirty="0"/>
               <a:t> </a:t>
             </a:r>
             <a:r>
-              <a:rPr lang="en-US" dirty="0" err="1" smtClean="0"/>
+              <a:rPr lang="en-US" dirty="0" err="1"/>
               <a:t>quia</a:t>
             </a:r>
             <a:r>
-              <a:rPr lang="en-US" dirty="0" smtClean="0"/>
+              <a:rPr lang="en-US" dirty="0"/>
               <a:t>', 'Baby', 881.38);</a:t>
             </a:r>
           </a:p>
           <a:p>
             <a:r>
-              <a:rPr lang="en-US" dirty="0" smtClean="0"/>
+              <a:rPr lang="en-US" dirty="0"/>
               <a:t>Product(19, '</a:t>
             </a:r>
             <a:r>
-              <a:rPr lang="en-US" dirty="0" err="1" smtClean="0"/>
+              <a:rPr lang="en-US" dirty="0" err="1"/>
               <a:t>doloremque</a:t>
             </a:r>
             <a:r>
-              <a:rPr lang="en-US" dirty="0" smtClean="0"/>
+              <a:rPr lang="en-US" dirty="0"/>
               <a:t> </a:t>
             </a:r>
             <a:r>
-              <a:rPr lang="en-US" dirty="0" err="1" smtClean="0"/>
+              <a:rPr lang="en-US" dirty="0" err="1"/>
               <a:t>incidunt</a:t>
             </a:r>
             <a:r>
-              <a:rPr lang="en-US" dirty="0" smtClean="0"/>
+              <a:rPr lang="en-US" dirty="0"/>
               <a:t> </a:t>
             </a:r>
             <a:r>
-              <a:rPr lang="en-US" dirty="0" err="1" smtClean="0"/>
+              <a:rPr lang="en-US" dirty="0" err="1"/>
               <a:t>sed</a:t>
             </a:r>
             <a:r>
-              <a:rPr lang="en-US" dirty="0" smtClean="0"/>
+              <a:rPr lang="en-US" dirty="0"/>
               <a:t>', 'Games', 988.49);</a:t>
             </a:r>
           </a:p>
           <a:p>
             <a:r>
-              <a:rPr lang="en-US" dirty="0" smtClean="0"/>
+              <a:rPr lang="en-US" dirty="0"/>
               <a:t>Product(20, '</a:t>
             </a:r>
             <a:r>
-              <a:rPr lang="en-US" dirty="0" err="1" smtClean="0"/>
+              <a:rPr lang="en-US" dirty="0" err="1"/>
               <a:t>libero</a:t>
             </a:r>
             <a:r>
-              <a:rPr lang="en-US" dirty="0" smtClean="0"/>
+              <a:rPr lang="en-US" dirty="0"/>
               <a:t> </a:t>
             </a:r>
             <a:r>
-              <a:rPr lang="en-US" dirty="0" err="1" smtClean="0"/>
+              <a:rPr lang="en-US" dirty="0" err="1"/>
               <a:t>omnis</a:t>
             </a:r>
             <a:r>
-              <a:rPr lang="en-US" dirty="0" smtClean="0"/>
+              <a:rPr lang="en-US" dirty="0"/>
               <a:t> </a:t>
             </a:r>
             <a:r>
-              <a:rPr lang="en-US" dirty="0" err="1" smtClean="0"/>
+              <a:rPr lang="en-US" dirty="0" err="1"/>
               <a:t>velit</a:t>
             </a:r>
             <a:r>
-              <a:rPr lang="en-US" dirty="0" smtClean="0"/>
+              <a:rPr lang="en-US" dirty="0"/>
               <a:t>', 'Baby', 177.61);</a:t>
             </a:r>
           </a:p>
           <a:p>
             <a:r>
-              <a:rPr lang="en-US" dirty="0" smtClean="0"/>
+              <a:rPr lang="en-US" dirty="0"/>
               <a:t>Product(21, '</a:t>
             </a:r>
             <a:r>
-              <a:rPr lang="en-US" dirty="0" err="1" smtClean="0"/>
+              <a:rPr lang="en-US" dirty="0" err="1"/>
               <a:t>consectetur</a:t>
             </a:r>
             <a:r>
-              <a:rPr lang="en-US" dirty="0" smtClean="0"/>
+              <a:rPr lang="en-US" dirty="0"/>
               <a:t> </a:t>
             </a:r>
             <a:r>
-              <a:rPr lang="en-US" dirty="0" err="1" smtClean="0"/>
+              <a:rPr lang="en-US" dirty="0" err="1"/>
               <a:t>cupiditate</a:t>
             </a:r>
             <a:r>
-              <a:rPr lang="en-US" dirty="0" smtClean="0"/>
+              <a:rPr lang="en-US" dirty="0"/>
               <a:t> </a:t>
             </a:r>
             <a:r>
-              <a:rPr lang="en-US" dirty="0" err="1" smtClean="0"/>
+              <a:rPr lang="en-US" dirty="0" err="1"/>
               <a:t>sunt</a:t>
             </a:r>
             <a:r>
-              <a:rPr lang="en-US" dirty="0" smtClean="0"/>
+              <a:rPr lang="en-US" dirty="0"/>
               <a:t>', 'Toys', 95.46);</a:t>
             </a:r>
           </a:p>
           <a:p>
             <a:r>
-              <a:rPr lang="en-US" dirty="0" smtClean="0"/>
+              <a:rPr lang="en-US" dirty="0"/>
               <a:t>Product(22, '</a:t>
             </a:r>
             <a:r>
-              <a:rPr lang="en-US" dirty="0" err="1" smtClean="0"/>
+              <a:rPr lang="en-US" dirty="0" err="1"/>
               <a:t>itaque</a:t>
             </a:r>
             <a:r>
-              <a:rPr lang="en-US" dirty="0" smtClean="0"/>
+              <a:rPr lang="en-US" dirty="0"/>
               <a:t> ea qui', 'Baby', 677.78);</a:t>
             </a:r>
           </a:p>
           <a:p>
             <a:r>
-              <a:rPr lang="en-US" dirty="0" smtClean="0"/>
+              <a:rPr lang="en-US" dirty="0"/>
               <a:t>Product(23, 'non et </a:t>
             </a:r>
             <a:r>
-              <a:rPr lang="en-US" dirty="0" err="1" smtClean="0"/>
+              <a:rPr lang="en-US" dirty="0" err="1"/>
               <a:t>nulla</a:t>
             </a:r>
             <a:r>
-              <a:rPr lang="en-US" dirty="0" smtClean="0"/>
+              <a:rPr lang="en-US" dirty="0"/>
               <a:t>', 'Grocery', 70.49);</a:t>
             </a:r>
           </a:p>
           <a:p>
             <a:r>
-              <a:rPr lang="en-US" dirty="0" smtClean="0"/>
+              <a:rPr lang="en-US" dirty="0"/>
               <a:t>Product(24, '</a:t>
             </a:r>
             <a:r>
-              <a:rPr lang="en-US" dirty="0" err="1" smtClean="0"/>
+              <a:rPr lang="en-US" dirty="0" err="1"/>
               <a:t>veniam</a:t>
             </a:r>
             <a:r>
-              <a:rPr lang="en-US" dirty="0" smtClean="0"/>
+              <a:rPr lang="en-US" dirty="0"/>
               <a:t> </a:t>
             </a:r>
             <a:r>
-              <a:rPr lang="en-US" dirty="0" err="1" smtClean="0"/>
+              <a:rPr lang="en-US" dirty="0" err="1"/>
               <a:t>consequatur</a:t>
             </a:r>
             <a:r>
-              <a:rPr lang="en-US" dirty="0" smtClean="0"/>
+              <a:rPr lang="en-US" dirty="0"/>
               <a:t> et', 'Books', 893.44);</a:t>
             </a:r>
           </a:p>
           <a:p>
             <a:r>
-              <a:rPr lang="en-US" dirty="0" smtClean="0"/>
+              <a:rPr lang="en-US" dirty="0"/>
               <a:t>Product(25, '</a:t>
             </a:r>
             <a:r>
-              <a:rPr lang="en-US" dirty="0" err="1" smtClean="0"/>
+              <a:rPr lang="en-US" dirty="0" err="1"/>
               <a:t>magnam</a:t>
             </a:r>
             <a:r>
-              <a:rPr lang="en-US" dirty="0" smtClean="0"/>
+              <a:rPr lang="en-US" dirty="0"/>
               <a:t> </a:t>
             </a:r>
             <a:r>
-              <a:rPr lang="en-US" dirty="0" err="1" smtClean="0"/>
+              <a:rPr lang="en-US" dirty="0" err="1"/>
               <a:t>adipisci</a:t>
             </a:r>
             <a:r>
-              <a:rPr lang="en-US" dirty="0" smtClean="0"/>
+              <a:rPr lang="en-US" dirty="0"/>
               <a:t> </a:t>
             </a:r>
             <a:r>
-              <a:rPr lang="en-US" dirty="0" err="1" smtClean="0"/>
+              <a:rPr lang="en-US" dirty="0" err="1"/>
               <a:t>voluptate</a:t>
             </a:r>
             <a:r>
-              <a:rPr lang="en-US" dirty="0" smtClean="0"/>
+              <a:rPr lang="en-US" dirty="0"/>
               <a:t>', 'Grocery', 366.13);</a:t>
             </a:r>
           </a:p>
           <a:p>
             <a:r>
-              <a:rPr lang="en-US" dirty="0" smtClean="0"/>
+              <a:rPr lang="en-US" dirty="0"/>
               <a:t>Product(26, '</a:t>
             </a:r>
             <a:r>
-              <a:rPr lang="en-US" dirty="0" err="1" smtClean="0"/>
+              <a:rPr lang="en-US" dirty="0" err="1"/>
               <a:t>reiciendis</a:t>
             </a:r>
             <a:r>
-              <a:rPr lang="en-US" dirty="0" smtClean="0"/>
+              <a:rPr lang="en-US" dirty="0"/>
               <a:t> </a:t>
             </a:r>
             <a:r>
-              <a:rPr lang="en-US" dirty="0" err="1" smtClean="0"/>
+              <a:rPr lang="en-US" dirty="0" err="1"/>
               <a:t>consequuntur</a:t>
             </a:r>
             <a:r>
-              <a:rPr lang="en-US" dirty="0" smtClean="0"/>
+              <a:rPr lang="en-US" dirty="0"/>
               <a:t> </a:t>
             </a:r>
             <a:r>
-              <a:rPr lang="en-US" dirty="0" err="1" smtClean="0"/>
+              <a:rPr lang="en-US" dirty="0" err="1"/>
               <a:t>placeat</a:t>
             </a:r>
             <a:r>
-              <a:rPr lang="en-US" dirty="0" smtClean="0"/>
+              <a:rPr lang="en-US" dirty="0"/>
               <a:t>', 'Toys', 359.27);</a:t>
             </a:r>
           </a:p>
           <a:p>
             <a:r>
-              <a:rPr lang="en-US" dirty="0" smtClean="0"/>
+              <a:rPr lang="en-US" dirty="0"/>
               <a:t>Product(27, '</a:t>
             </a:r>
             <a:r>
-              <a:rPr lang="en-US" dirty="0" err="1" smtClean="0"/>
+              <a:rPr lang="en-US" dirty="0" err="1"/>
               <a:t>dolores</a:t>
             </a:r>
             <a:r>
-              <a:rPr lang="en-US" dirty="0" smtClean="0"/>
+              <a:rPr lang="en-US" dirty="0"/>
               <a:t> </a:t>
             </a:r>
             <a:r>
-              <a:rPr lang="en-US" dirty="0" err="1" smtClean="0"/>
+              <a:rPr lang="en-US" dirty="0" err="1"/>
               <a:t>ipsum</a:t>
             </a:r>
             <a:r>
-              <a:rPr lang="en-US" dirty="0" smtClean="0"/>
+              <a:rPr lang="en-US" dirty="0"/>
               <a:t> sit', 'Toys', 786.99);</a:t>
             </a:r>
           </a:p>
           <a:p>
             <a:r>
-              <a:rPr lang="en-US" dirty="0" smtClean="0"/>
+              <a:rPr lang="en-US" dirty="0"/>
               <a:t>Product(28, '</a:t>
             </a:r>
             <a:r>
-              <a:rPr lang="en-US" dirty="0" err="1" smtClean="0"/>
+              <a:rPr lang="en-US" dirty="0" err="1"/>
               <a:t>ut</a:t>
             </a:r>
             <a:r>
-              <a:rPr lang="en-US" dirty="0" smtClean="0"/>
+              <a:rPr lang="en-US" dirty="0"/>
               <a:t> hic tempore', 'Toys', 316.09);</a:t>
             </a:r>
           </a:p>
           <a:p>
             <a:r>
-              <a:rPr lang="en-US" dirty="0" smtClean="0"/>
+              <a:rPr lang="en-US" dirty="0"/>
               <a:t>Product(29, '</a:t>
             </a:r>
             <a:r>
-              <a:rPr lang="en-US" dirty="0" err="1" smtClean="0"/>
+              <a:rPr lang="en-US" dirty="0" err="1"/>
               <a:t>quas</a:t>
             </a:r>
             <a:r>
-              <a:rPr lang="en-US" dirty="0" smtClean="0"/>
+              <a:rPr lang="en-US" dirty="0"/>
               <a:t> </a:t>
             </a:r>
             <a:r>
-              <a:rPr lang="en-US" dirty="0" err="1" smtClean="0"/>
+              <a:rPr lang="en-US" dirty="0" err="1"/>
               <a:t>quis</a:t>
             </a:r>
             <a:r>
-              <a:rPr lang="en-US" dirty="0" smtClean="0"/>
+              <a:rPr lang="en-US" dirty="0"/>
               <a:t> </a:t>
             </a:r>
             <a:r>
-              <a:rPr lang="en-US" dirty="0" err="1" smtClean="0"/>
+              <a:rPr lang="en-US" dirty="0" err="1"/>
               <a:t>deserunt</a:t>
             </a:r>
             <a:r>
-              <a:rPr lang="en-US" dirty="0" smtClean="0"/>
+              <a:rPr lang="en-US" dirty="0"/>
               <a:t>', 'Toys', 772.78);</a:t>
             </a:r>
           </a:p>
           <a:p>
             <a:r>
-              <a:rPr lang="en-US" dirty="0" smtClean="0"/>
+              <a:rPr lang="en-US" dirty="0"/>
               <a:t>Product(30, '</a:t>
             </a:r>
             <a:r>
-              <a:rPr lang="en-US" dirty="0" err="1" smtClean="0"/>
+              <a:rPr lang="en-US" dirty="0" err="1"/>
               <a:t>excepturi</a:t>
             </a:r>
             <a:r>
-              <a:rPr lang="en-US" dirty="0" smtClean="0"/>
+              <a:rPr lang="en-US" dirty="0"/>
               <a:t> </a:t>
             </a:r>
             <a:r>
-              <a:rPr lang="en-US" dirty="0" err="1" smtClean="0"/>
+              <a:rPr lang="en-US" dirty="0" err="1"/>
               <a:t>nesciunt</a:t>
             </a:r>
             <a:r>
-              <a:rPr lang="en-US" dirty="0" smtClean="0"/>
+              <a:rPr lang="en-US" dirty="0"/>
               <a:t> </a:t>
             </a:r>
             <a:r>
-              <a:rPr lang="en-US" dirty="0" err="1" smtClean="0"/>
+              <a:rPr lang="en-US" dirty="0" err="1"/>
               <a:t>accusantium</a:t>
             </a:r>
             <a:r>
-              <a:rPr lang="en-US" dirty="0" smtClean="0"/>
+              <a:rPr lang="en-US" dirty="0"/>
               <a:t>', 'Toys', 911.46);</a:t>
             </a:r>
           </a:p>
           <a:p>
             <a:r>
-              <a:rPr lang="en-US" dirty="0" smtClean="0"/>
+              <a:rPr lang="en-US" dirty="0"/>
               <a:t>order(1, '2021-02-28', '2021-03-08', 'NEW', 5);</a:t>
             </a:r>
           </a:p>
           <a:p>
             <a:r>
-              <a:rPr lang="en-US" dirty="0" smtClean="0"/>
+              <a:rPr lang="en-US" dirty="0"/>
               <a:t>order(2, '2021-02-28', '2021-03-05', 'NEW', 3);</a:t>
             </a:r>
           </a:p>
           <a:p>
             <a:r>
-              <a:rPr lang="en-US" dirty="0" smtClean="0"/>
+              <a:rPr lang="en-US" dirty="0"/>
               <a:t>order(3, '2021-04-10', '2021-04-18', 'DELIVERED', 5);</a:t>
             </a:r>
           </a:p>
           <a:p>
             <a:r>
-              <a:rPr lang="en-US" dirty="0" smtClean="0"/>
+              <a:rPr lang="en-US" dirty="0"/>
               <a:t>order(4, '2021-03-22', '2021-03-27', 'PENDING', 3);</a:t>
             </a:r>
           </a:p>
           <a:p>
             <a:r>
-              <a:rPr lang="en-US" dirty="0" smtClean="0"/>
+              <a:rPr lang="en-US" dirty="0"/>
               <a:t>order(5, '2021-03-04', '2021-03-12', 'NEW', 1);</a:t>
             </a:r>
           </a:p>
           <a:p>
             <a:r>
-              <a:rPr lang="en-US" dirty="0" smtClean="0"/>
+              <a:rPr lang="en-US" dirty="0"/>
               <a:t>order(6, '2021-03-30', '2021-04-07', 'DELIVERED', 9);</a:t>
             </a:r>
           </a:p>
           <a:p>
             <a:r>
-              <a:rPr lang="en-US" dirty="0" smtClean="0"/>
+              <a:rPr lang="en-US" dirty="0"/>
               <a:t>order(7, '2021-03-05', '2021-03-09', 'PENDING', 8);</a:t>
             </a:r>
           </a:p>
           <a:p>
             <a:r>
-              <a:rPr lang="en-US" dirty="0" smtClean="0"/>
+              <a:rPr lang="en-US" dirty="0"/>
               <a:t>order(8, '2021-03-27', '2021-04-05', 'NEW', 4);</a:t>
             </a:r>
           </a:p>
           <a:p>
             <a:r>
-              <a:rPr lang="en-US" dirty="0" smtClean="0"/>
+              <a:rPr lang="en-US" dirty="0"/>
               <a:t>order(9, '2021-04-14', '2021-04-18', 'NEW', 10);</a:t>
             </a:r>
           </a:p>
           <a:p>
             <a:r>
-              <a:rPr lang="en-US" dirty="0" smtClean="0"/>
+              <a:rPr lang="en-US" dirty="0"/>
               <a:t>order(10, '2021-03-10', '2021-03-19', 'NEW', 8);</a:t>
             </a:r>
           </a:p>
           <a:p>
             <a:r>
-              <a:rPr lang="en-US" dirty="0" smtClean="0"/>
+              <a:rPr lang="en-US" dirty="0"/>
               <a:t>order(11, '2021-04-01', '2021-04-04', 'DELIVERED', 1);</a:t>
             </a:r>
           </a:p>
           <a:p>
             <a:r>
-              <a:rPr lang="en-US" dirty="0" smtClean="0"/>
+              <a:rPr lang="en-US" dirty="0"/>
               <a:t>order(12, '2021-02-24', '2021-02-28', 'PENDING', 5);</a:t>
             </a:r>
           </a:p>
           <a:p>
             <a:r>
-              <a:rPr lang="en-US" dirty="0" smtClean="0"/>
+              <a:rPr lang="en-US" dirty="0"/>
               <a:t>order(13, '2021-03-15', '2021-03-21', 'NEW', 5);</a:t>
             </a:r>
           </a:p>
           <a:p>
             <a:r>
-              <a:rPr lang="en-US" dirty="0" smtClean="0"/>
+              <a:rPr lang="en-US" dirty="0"/>
               <a:t>order(14, '2021-03-30', '2021-04-07', 'PENDING', 4);</a:t>
             </a:r>
           </a:p>
           <a:p>
             <a:r>
-              <a:rPr lang="en-US" dirty="0" smtClean="0"/>
+              <a:rPr lang="en-US" dirty="0"/>
               <a:t>order(15, '2021-03-13', '2021-03-14', 'DELIVERED', 5);</a:t>
             </a:r>
           </a:p>
           <a:p>
             <a:r>
-              <a:rPr lang="en-US" dirty="0" smtClean="0"/>
+              <a:rPr lang="en-US" dirty="0"/>
               <a:t>order(16, '2021-03-13', '2021-03-21', 'NEW', 1);</a:t>
             </a:r>
           </a:p>
           <a:p>
             <a:r>
-              <a:rPr lang="en-US" dirty="0" smtClean="0"/>
+              <a:rPr lang="en-US" dirty="0"/>
               <a:t>order(17, '2021-03-31', '2021-03-31', 'DELIVERED', 6);</a:t>
             </a:r>
           </a:p>
           <a:p>
             <a:r>
-              <a:rPr lang="en-US" dirty="0" smtClean="0"/>
+              <a:rPr lang="en-US" dirty="0"/>
               <a:t>order(18, '2021-03-25', '2021-03-31', 'PENDING', 9);</a:t>
             </a:r>
           </a:p>
           <a:p>
             <a:r>
-              <a:rPr lang="en-US" dirty="0" smtClean="0"/>
+              <a:rPr lang="en-US" dirty="0"/>
               <a:t>order(19, '2021-02-28', '2021-03-09', 'DELIVERED', 9);</a:t>
             </a:r>
           </a:p>
           <a:p>
             <a:r>
-              <a:rPr lang="en-US" dirty="0" smtClean="0"/>
+              <a:rPr lang="en-US" dirty="0"/>
               <a:t>order(20, '2021-03-23', '2021-03-30', 'NEW', 5);</a:t>
             </a:r>
           </a:p>
           <a:p>
             <a:r>
-              <a:rPr lang="en-US" dirty="0" smtClean="0"/>
+              <a:rPr lang="en-US" dirty="0"/>
               <a:t>order(21, '2021-03-19', '2021-03-24', 'DELIVERED', 9);</a:t>
             </a:r>
           </a:p>
           <a:p>
             <a:r>
-              <a:rPr lang="en-US" dirty="0" smtClean="0"/>
+              <a:rPr lang="en-US" dirty="0"/>
               <a:t>order(22, '2021-02-27', '2021-03-01', 'NEW', 5);</a:t>
             </a:r>
           </a:p>
           <a:p>
             <a:r>
-              <a:rPr lang="en-US" dirty="0" smtClean="0"/>
+              <a:rPr lang="en-US" dirty="0"/>
               <a:t>order(23, '2021-04-19', '2021-04-24', 'PENDING', 4);</a:t>
             </a:r>
           </a:p>
           <a:p>
             <a:r>
-              <a:rPr lang="en-US" dirty="0" smtClean="0"/>
+              <a:rPr lang="en-US" dirty="0"/>
               <a:t>order(24, '2021-03-24', '2021-03-24', 'DELIVERED', 1);</a:t>
             </a:r>
           </a:p>
           <a:p>
             <a:r>
-              <a:rPr lang="en-US" dirty="0" smtClean="0"/>
+              <a:rPr lang="en-US" dirty="0"/>
               <a:t>order(25, '2021-03-03', '2021-03-10', 'NEW', 1);</a:t>
             </a:r>
           </a:p>
           <a:p>
             <a:r>
-              <a:rPr lang="en-US" dirty="0" smtClean="0"/>
+              <a:rPr lang="en-US" dirty="0"/>
               <a:t>order(26, '2021-03-17', '2021-03-26', 'NEW', 10);</a:t>
             </a:r>
           </a:p>
           <a:p>
             <a:r>
-              <a:rPr lang="en-US" dirty="0" smtClean="0"/>
+              <a:rPr lang="en-US" dirty="0"/>
               <a:t>order(27, '2021-03-20', '2021-03-25', 'NEW', 1);</a:t>
             </a:r>
           </a:p>
           <a:p>
             <a:r>
-              <a:rPr lang="en-US" dirty="0" smtClean="0"/>
+              <a:rPr lang="en-US" dirty="0"/>
               <a:t>order(28, '2021-04-09', '2021-04-16', 'DELIVERED', 2);</a:t>
             </a:r>
           </a:p>
           <a:p>
             <a:r>
-              <a:rPr lang="en-US" dirty="0" smtClean="0"/>
+              <a:rPr lang="en-US" dirty="0"/>
               <a:t>order(29, '2021-04-06', '2021-04-08', 'PENDING', 1);</a:t>
             </a:r>
           </a:p>
           <a:p>
             <a:r>
-              <a:rPr lang="en-US" dirty="0" smtClean="0"/>
+              <a:rPr lang="en-US" dirty="0"/>
               <a:t>order(30, '2021-04-19', '2021-04-20', 'DELIVERED', 1);</a:t>
             </a:r>
           </a:p>
           <a:p>
             <a:r>
-              <a:rPr lang="en-US" dirty="0" smtClean="0"/>
+              <a:rPr lang="en-US" dirty="0"/>
               <a:t>order(31, '2021-03-03', '2021-03-04', 'NEW', 3);</a:t>
             </a:r>
           </a:p>
           <a:p>
             <a:r>
-              <a:rPr lang="en-US" dirty="0" smtClean="0"/>
+              <a:rPr lang="en-US" dirty="0"/>
               <a:t>order(32, '2021-03-15', '2021-03-24', 'DELIVERED', 2);</a:t>
             </a:r>
           </a:p>
           <a:p>
             <a:r>
-              <a:rPr lang="en-US" dirty="0" smtClean="0"/>
+              <a:rPr lang="en-US" dirty="0"/>
               <a:t>order(33, '2021-04-18', '2021-04-24', 'PENDING', 1);</a:t>
             </a:r>
           </a:p>
           <a:p>
             <a:r>
-              <a:rPr lang="en-US" dirty="0" smtClean="0"/>
+              <a:rPr lang="en-US" dirty="0"/>
               <a:t>order(34, '2021-03-28', '2021-03-28', 'NEW', 6);</a:t>
             </a:r>
           </a:p>
           <a:p>
             <a:r>
-              <a:rPr lang="en-US" dirty="0" smtClean="0"/>
+              <a:rPr lang="en-US" dirty="0"/>
               <a:t>order(35, '2021-03-15', '2021-03-17', 'NEW', 1);</a:t>
             </a:r>
           </a:p>
           <a:p>
             <a:r>
-              <a:rPr lang="en-US" dirty="0" smtClean="0"/>
+              <a:rPr lang="en-US" dirty="0"/>
               <a:t>order(36, '2021-03-04', '2021-03-08', 'DELIVERED', 2);</a:t>
             </a:r>
           </a:p>
           <a:p>
             <a:r>
-              <a:rPr lang="en-US" dirty="0" smtClean="0"/>
+              <a:rPr lang="en-US" dirty="0"/>
               <a:t>order(37, '2021-03-18', '2021-03-25', 'NEW', 8);</a:t>
             </a:r>
           </a:p>
           <a:p>
             <a:r>
-              <a:rPr lang="en-US" dirty="0" smtClean="0"/>
+              <a:rPr lang="en-US" dirty="0"/>
               <a:t>order(38, '2021-04-11', '2021-04-20', 'NEW', 8);</a:t>
             </a:r>
           </a:p>
           <a:p>
             <a:r>
-              <a:rPr lang="en-US" dirty="0" smtClean="0"/>
+              <a:rPr lang="en-US" dirty="0"/>
               <a:t>order(39, '2021-04-12', '2021-04-17', 'NEW', 9);</a:t>
             </a:r>
           </a:p>
           <a:p>
             <a:r>
-              <a:rPr lang="en-US" dirty="0" smtClean="0"/>
+              <a:rPr lang="en-US" dirty="0"/>
               <a:t>order(40, '2021-03-12', '2021-03-12', 'PENDING', 3);</a:t>
             </a:r>
           </a:p>
           <a:p>
             <a:r>
-              <a:rPr lang="en-US" dirty="0" smtClean="0"/>
+              <a:rPr lang="en-US" dirty="0"/>
               <a:t>order(41, '2021-02-24', '2021-02-26', 'NEW', 5);</a:t>
             </a:r>
           </a:p>
           <a:p>
             <a:r>
-              <a:rPr lang="en-US" dirty="0" smtClean="0"/>
+              <a:rPr lang="en-US" dirty="0"/>
               <a:t>order(42, '2021-04-08', '2021-04-14', 'DELIVERED', 9);</a:t>
             </a:r>
           </a:p>
           <a:p>
             <a:r>
-              <a:rPr lang="en-US" dirty="0" smtClean="0"/>
+              <a:rPr lang="en-US" dirty="0"/>
               <a:t>order(43, '2021-03-03', '2021-03-11', 'NEW', 3);</a:t>
             </a:r>
           </a:p>
           <a:p>
             <a:r>
-              <a:rPr lang="en-US" dirty="0" smtClean="0"/>
+              <a:rPr lang="en-US" dirty="0"/>
               <a:t>order(44, '2021-03-12', '2021-03-14', 'DELIVERED', 4);</a:t>
             </a:r>
           </a:p>
           <a:p>
             <a:r>
-              <a:rPr lang="en-US" dirty="0" smtClean="0"/>
+              <a:rPr lang="en-US" dirty="0"/>
               <a:t>order(45, '2021-04-01', '2021-04-06', 'DELIVERED', 1);</a:t>
             </a:r>
           </a:p>
           <a:p>
             <a:r>
-              <a:rPr lang="en-US" dirty="0" smtClean="0"/>
+              <a:rPr lang="en-US" dirty="0"/>
               <a:t>order(46, '2021-03-16', '2021-03-22', 'NEW', 10);</a:t>
             </a:r>
           </a:p>
           <a:p>
             <a:r>
-              <a:rPr lang="en-US" dirty="0" smtClean="0"/>
+              <a:rPr lang="en-US" dirty="0"/>
               <a:t>order(47, '2021-04-07', '2021-04-12', 'PENDING', 2);</a:t>
             </a:r>
           </a:p>
           <a:p>
             <a:r>
-              <a:rPr lang="en-US" dirty="0" smtClean="0"/>
+              <a:rPr lang="en-US" dirty="0"/>
               <a:t>order(48, '2021-04-05', '2021-04-06', 'NEW', 2);</a:t>
             </a:r>
           </a:p>
           <a:p>
             <a:r>
-              <a:rPr lang="en-US" dirty="0" smtClean="0"/>
+              <a:rPr lang="en-US" dirty="0"/>
               <a:t>order(49, '2021-04-10', '2021-04-13', 'NEW', 7);</a:t>
             </a:r>
           </a:p>
           <a:p>
             <a:r>
-              <a:rPr lang="en-US" dirty="0" smtClean="0"/>
+              <a:rPr lang="en-US" dirty="0"/>
               <a:t>order(50, '2021-03-18', '2021-03-21', 'NEW', 9);</a:t>
             </a:r>
-            <a:endParaRPr lang="en-US" dirty="0"/>
           </a:p>
         </p:txBody>
       </p:sp>
     </p:spTree>
     <p:extLst>
       <p:ext uri="{BB962C8B-B14F-4D97-AF65-F5344CB8AC3E}">
-        <p14:creationId xmlns:p14="http://schemas.microsoft.com/office/powerpoint/2010/main" xmlns="" val="1254434066"/>
+        <p14:creationId xmlns:p14="http://schemas.microsoft.com/office/powerpoint/2010/main" val="1254434066"/>
       </p:ext>
     </p:extLst>
   </p:cSld>
@@ -5908,15 +5907,15 @@
         </p:nvSpPr>
         <p:spPr>
           <a:xfrm>
-            <a:off x="412750" y="701675"/>
-            <a:ext cx="6229350" cy="3508375"/>
+            <a:off x="409575" y="701675"/>
+            <a:ext cx="6235700" cy="3508375"/>
           </a:xfrm>
         </p:spPr>
       </p:sp>
     </p:spTree>
     <p:extLst>
       <p:ext uri="{BB962C8B-B14F-4D97-AF65-F5344CB8AC3E}">
-        <p14:creationId xmlns:p14="http://schemas.microsoft.com/office/powerpoint/2010/main" xmlns="" val="3853666303"/>
+        <p14:creationId xmlns:p14="http://schemas.microsoft.com/office/powerpoint/2010/main" val="3853666303"/>
       </p:ext>
     </p:extLst>
   </p:cSld>
@@ -5955,8 +5954,8 @@
         </p:nvSpPr>
         <p:spPr>
           <a:xfrm>
-            <a:off x="412750" y="701675"/>
-            <a:ext cx="6229350" cy="3508375"/>
+            <a:off x="409575" y="701675"/>
+            <a:ext cx="6235700" cy="3508375"/>
           </a:xfrm>
         </p:spPr>
       </p:sp>
@@ -5982,7 +5981,7 @@
     </p:spTree>
     <p:extLst>
       <p:ext uri="{BB962C8B-B14F-4D97-AF65-F5344CB8AC3E}">
-        <p14:creationId xmlns:p14="http://schemas.microsoft.com/office/powerpoint/2010/main" xmlns="" val="1668078391"/>
+        <p14:creationId xmlns:p14="http://schemas.microsoft.com/office/powerpoint/2010/main" val="1668078391"/>
       </p:ext>
     </p:extLst>
   </p:cSld>
@@ -6021,8 +6020,8 @@
         </p:nvSpPr>
         <p:spPr>
           <a:xfrm>
-            <a:off x="412750" y="701675"/>
-            <a:ext cx="6229350" cy="3508375"/>
+            <a:off x="409575" y="701675"/>
+            <a:ext cx="6235700" cy="3508375"/>
           </a:xfrm>
         </p:spPr>
       </p:sp>
@@ -6048,7 +6047,7 @@
     </p:spTree>
     <p:extLst>
       <p:ext uri="{BB962C8B-B14F-4D97-AF65-F5344CB8AC3E}">
-        <p14:creationId xmlns:p14="http://schemas.microsoft.com/office/powerpoint/2010/main" xmlns="" val="465534385"/>
+        <p14:creationId xmlns:p14="http://schemas.microsoft.com/office/powerpoint/2010/main" val="465534385"/>
       </p:ext>
     </p:extLst>
   </p:cSld>
@@ -6114,7 +6113,7 @@
     </p:spTree>
     <p:extLst>
       <p:ext uri="{BB962C8B-B14F-4D97-AF65-F5344CB8AC3E}">
-        <p14:creationId xmlns:p14="http://schemas.microsoft.com/office/powerpoint/2010/main" xmlns="" val="2235072625"/>
+        <p14:creationId xmlns:p14="http://schemas.microsoft.com/office/powerpoint/2010/main" val="2235072625"/>
       </p:ext>
     </p:extLst>
   </p:cSld>
@@ -6153,8 +6152,8 @@
         </p:nvSpPr>
         <p:spPr>
           <a:xfrm>
-            <a:off x="412750" y="701675"/>
-            <a:ext cx="6229350" cy="3508375"/>
+            <a:off x="409575" y="701675"/>
+            <a:ext cx="6235700" cy="3508375"/>
           </a:xfrm>
         </p:spPr>
       </p:sp>
@@ -6180,7 +6179,7 @@
     </p:spTree>
     <p:extLst>
       <p:ext uri="{BB962C8B-B14F-4D97-AF65-F5344CB8AC3E}">
-        <p14:creationId xmlns:p14="http://schemas.microsoft.com/office/powerpoint/2010/main" xmlns="" val="3910698671"/>
+        <p14:creationId xmlns:p14="http://schemas.microsoft.com/office/powerpoint/2010/main" val="3910698671"/>
       </p:ext>
     </p:extLst>
   </p:cSld>
@@ -6219,8 +6218,8 @@
         </p:nvSpPr>
         <p:spPr>
           <a:xfrm>
-            <a:off x="412750" y="701675"/>
-            <a:ext cx="6229350" cy="3508375"/>
+            <a:off x="409575" y="701675"/>
+            <a:ext cx="6235700" cy="3508375"/>
           </a:xfrm>
         </p:spPr>
       </p:sp>
@@ -6246,7 +6245,7 @@
     </p:spTree>
     <p:extLst>
       <p:ext uri="{BB962C8B-B14F-4D97-AF65-F5344CB8AC3E}">
-        <p14:creationId xmlns:p14="http://schemas.microsoft.com/office/powerpoint/2010/main" xmlns="" val="2848645505"/>
+        <p14:creationId xmlns:p14="http://schemas.microsoft.com/office/powerpoint/2010/main" val="2848645505"/>
       </p:ext>
     </p:extLst>
   </p:cSld>
@@ -6788,7 +6787,7 @@
           <p:cNvPr id="3" name="Text Placeholder 2">
             <a:extLst>
               <a:ext uri="{FF2B5EF4-FFF2-40B4-BE49-F238E27FC236}">
-                <a16:creationId xmlns:a16="http://schemas.microsoft.com/office/drawing/2014/main" xmlns="" id="{3CE14703-5E2C-6749-85A1-D5F61312DAD8}"/>
+                <a16:creationId xmlns:a16="http://schemas.microsoft.com/office/drawing/2014/main" id="{3CE14703-5E2C-6749-85A1-D5F61312DAD8}"/>
               </a:ext>
             </a:extLst>
           </p:cNvPr>
@@ -6901,7 +6900,7 @@
           <p:cNvPr id="25" name="Google Shape;53;p14">
             <a:extLst>
               <a:ext uri="{FF2B5EF4-FFF2-40B4-BE49-F238E27FC236}">
-                <a16:creationId xmlns:a16="http://schemas.microsoft.com/office/drawing/2014/main" xmlns="" id="{8A0DFBE8-3C69-254F-9B57-2A299ECDBECD}"/>
+                <a16:creationId xmlns:a16="http://schemas.microsoft.com/office/drawing/2014/main" id="{8A0DFBE8-3C69-254F-9B57-2A299ECDBECD}"/>
               </a:ext>
             </a:extLst>
           </p:cNvPr>
@@ -7047,7 +7046,7 @@
           <p:cNvPr id="26" name="Google Shape;57;p14">
             <a:extLst>
               <a:ext uri="{FF2B5EF4-FFF2-40B4-BE49-F238E27FC236}">
-                <a16:creationId xmlns:a16="http://schemas.microsoft.com/office/drawing/2014/main" xmlns="" id="{EEDE0DC0-8392-1646-BF60-F02D45F7AD5E}"/>
+                <a16:creationId xmlns:a16="http://schemas.microsoft.com/office/drawing/2014/main" id="{EEDE0DC0-8392-1646-BF60-F02D45F7AD5E}"/>
               </a:ext>
             </a:extLst>
           </p:cNvPr>
@@ -7244,7 +7243,7 @@
           <p:cNvPr id="2" name="Slide Number Placeholder 1">
             <a:extLst>
               <a:ext uri="{FF2B5EF4-FFF2-40B4-BE49-F238E27FC236}">
-                <a16:creationId xmlns:a16="http://schemas.microsoft.com/office/drawing/2014/main" xmlns="" id="{B72110B5-5AD1-2548-A009-B85F7C199D43}"/>
+                <a16:creationId xmlns:a16="http://schemas.microsoft.com/office/drawing/2014/main" id="{B72110B5-5AD1-2548-A009-B85F7C199D43}"/>
               </a:ext>
             </a:extLst>
           </p:cNvPr>
@@ -7289,7 +7288,7 @@
     </p:spTree>
     <p:extLst>
       <p:ext uri="{BB962C8B-B14F-4D97-AF65-F5344CB8AC3E}">
-        <p14:creationId xmlns:p14="http://schemas.microsoft.com/office/powerpoint/2010/main" xmlns="" val="545829278"/>
+        <p14:creationId xmlns:p14="http://schemas.microsoft.com/office/powerpoint/2010/main" val="545829278"/>
       </p:ext>
     </p:extLst>
   </p:cSld>
@@ -9043,7 +9042,7 @@
           <p:cNvPr id="20" name="Google Shape;14;p11">
             <a:extLst>
               <a:ext uri="{FF2B5EF4-FFF2-40B4-BE49-F238E27FC236}">
-                <a16:creationId xmlns:a16="http://schemas.microsoft.com/office/drawing/2014/main" xmlns="" id="{91444A35-E228-DC49-A05C-0ED031C7E9E5}"/>
+                <a16:creationId xmlns:a16="http://schemas.microsoft.com/office/drawing/2014/main" id="{91444A35-E228-DC49-A05C-0ED031C7E9E5}"/>
               </a:ext>
             </a:extLst>
           </p:cNvPr>
@@ -11328,7 +11327,7 @@
           <p:cNvPr id="19" name="Google Shape;14;p11">
             <a:extLst>
               <a:ext uri="{FF2B5EF4-FFF2-40B4-BE49-F238E27FC236}">
-                <a16:creationId xmlns:a16="http://schemas.microsoft.com/office/drawing/2014/main" xmlns="" id="{3508BE93-AF5D-6548-900B-100D7472A054}"/>
+                <a16:creationId xmlns:a16="http://schemas.microsoft.com/office/drawing/2014/main" id="{3508BE93-AF5D-6548-900B-100D7472A054}"/>
               </a:ext>
             </a:extLst>
           </p:cNvPr>
@@ -13067,7 +13066,7 @@
           <p:cNvPr id="31" name="Slide Number Placeholder 1">
             <a:extLst>
               <a:ext uri="{FF2B5EF4-FFF2-40B4-BE49-F238E27FC236}">
-                <a16:creationId xmlns:a16="http://schemas.microsoft.com/office/drawing/2014/main" xmlns="" id="{612FEF24-C4E0-41AD-81CE-2C7ABB145B65}"/>
+                <a16:creationId xmlns:a16="http://schemas.microsoft.com/office/drawing/2014/main" id="{612FEF24-C4E0-41AD-81CE-2C7ABB145B65}"/>
               </a:ext>
             </a:extLst>
           </p:cNvPr>
@@ -13344,7 +13343,7 @@
     </p:spTree>
     <p:extLst>
       <p:ext uri="{BB962C8B-B14F-4D97-AF65-F5344CB8AC3E}">
-        <p14:creationId xmlns:p14="http://schemas.microsoft.com/office/powerpoint/2010/main" xmlns="" val="714848901"/>
+        <p14:creationId xmlns:p14="http://schemas.microsoft.com/office/powerpoint/2010/main" val="714848901"/>
       </p:ext>
     </p:extLst>
   </p:cSld>
@@ -13497,7 +13496,7 @@
           <a:blip r:embed="rId2" cstate="print">
             <a:extLst>
               <a:ext uri="{28A0092B-C50C-407E-A947-70E740481C1C}">
-                <a14:useLocalDpi xmlns:a14="http://schemas.microsoft.com/office/drawing/2010/main" xmlns="" val="0"/>
+                <a14:useLocalDpi xmlns:a14="http://schemas.microsoft.com/office/drawing/2010/main" val="0"/>
               </a:ext>
             </a:extLst>
           </a:blip>
@@ -13718,7 +13717,7 @@
     </p:spTree>
     <p:extLst>
       <p:ext uri="{BB962C8B-B14F-4D97-AF65-F5344CB8AC3E}">
-        <p14:creationId xmlns:p14="http://schemas.microsoft.com/office/powerpoint/2010/main" xmlns="" val="4195897564"/>
+        <p14:creationId xmlns:p14="http://schemas.microsoft.com/office/powerpoint/2010/main" val="4195897564"/>
       </p:ext>
     </p:extLst>
   </p:cSld>
@@ -13857,7 +13856,7 @@
     </p:spTree>
     <p:extLst>
       <p:ext uri="{BB962C8B-B14F-4D97-AF65-F5344CB8AC3E}">
-        <p14:creationId xmlns:p14="http://schemas.microsoft.com/office/powerpoint/2010/main" xmlns="" val="3923799096"/>
+        <p14:creationId xmlns:p14="http://schemas.microsoft.com/office/powerpoint/2010/main" val="3923799096"/>
       </p:ext>
     </p:extLst>
   </p:cSld>
@@ -13980,7 +13979,7 @@
     </p:spTree>
     <p:extLst>
       <p:ext uri="{BB962C8B-B14F-4D97-AF65-F5344CB8AC3E}">
-        <p14:creationId xmlns:p14="http://schemas.microsoft.com/office/powerpoint/2010/main" xmlns="" val="1156448001"/>
+        <p14:creationId xmlns:p14="http://schemas.microsoft.com/office/powerpoint/2010/main" val="1156448001"/>
       </p:ext>
     </p:extLst>
   </p:cSld>
@@ -14143,7 +14142,7 @@
     </p:spTree>
     <p:extLst>
       <p:ext uri="{BB962C8B-B14F-4D97-AF65-F5344CB8AC3E}">
-        <p14:creationId xmlns:p14="http://schemas.microsoft.com/office/powerpoint/2010/main" xmlns="" val="3317577253"/>
+        <p14:creationId xmlns:p14="http://schemas.microsoft.com/office/powerpoint/2010/main" val="3317577253"/>
       </p:ext>
     </p:extLst>
   </p:cSld>
@@ -14811,7 +14810,7 @@
           <p:cNvPr id="7" name="Google Shape;13;p11">
             <a:extLst>
               <a:ext uri="{FF2B5EF4-FFF2-40B4-BE49-F238E27FC236}">
-                <a16:creationId xmlns:a16="http://schemas.microsoft.com/office/drawing/2014/main" xmlns="" id="{BF7FD7A2-F760-4C42-9531-985614A37EAB}"/>
+                <a16:creationId xmlns:a16="http://schemas.microsoft.com/office/drawing/2014/main" id="{BF7FD7A2-F760-4C42-9531-985614A37EAB}"/>
               </a:ext>
             </a:extLst>
           </p:cNvPr>
@@ -15138,7 +15137,7 @@
           <p:cNvPr id="3" name="Straight Connector 2">
             <a:extLst>
               <a:ext uri="{FF2B5EF4-FFF2-40B4-BE49-F238E27FC236}">
-                <a16:creationId xmlns:a16="http://schemas.microsoft.com/office/drawing/2014/main" xmlns="" id="{D0874163-10F7-994B-A490-037E5D797684}"/>
+                <a16:creationId xmlns:a16="http://schemas.microsoft.com/office/drawing/2014/main" id="{D0874163-10F7-994B-A490-037E5D797684}"/>
               </a:ext>
             </a:extLst>
           </p:cNvPr>
@@ -15184,7 +15183,7 @@
           <p:cNvPr id="6" name="Rectangle 2">
             <a:extLst>
               <a:ext uri="{FF2B5EF4-FFF2-40B4-BE49-F238E27FC236}">
-                <a16:creationId xmlns:a16="http://schemas.microsoft.com/office/drawing/2014/main" xmlns="" id="{014920EA-7186-7143-834A-55A5B3C24514}"/>
+                <a16:creationId xmlns:a16="http://schemas.microsoft.com/office/drawing/2014/main" id="{014920EA-7186-7143-834A-55A5B3C24514}"/>
               </a:ext>
             </a:extLst>
           </p:cNvPr>
@@ -15208,14 +15207,14 @@
           <a:effectLst/>
           <a:extLst>
             <a:ext uri="{909E8E84-426E-40DD-AFC4-6F175D3DCCD1}">
-              <a14:hiddenFill xmlns:a14="http://schemas.microsoft.com/office/drawing/2010/main" xmlns="">
+              <a14:hiddenFill xmlns:a14="http://schemas.microsoft.com/office/drawing/2010/main">
                 <a:solidFill>
                   <a:schemeClr val="accent1"/>
                 </a:solidFill>
               </a14:hiddenFill>
             </a:ext>
             <a:ext uri="{91240B29-F687-4F45-9708-019B960494DF}">
-              <a14:hiddenLine xmlns:a14="http://schemas.microsoft.com/office/drawing/2010/main" xmlns="" w="9525">
+              <a14:hiddenLine xmlns:a14="http://schemas.microsoft.com/office/drawing/2010/main" w="9525">
                 <a:solidFill>
                   <a:schemeClr val="tx1"/>
                 </a:solidFill>
@@ -15225,7 +15224,7 @@
               </a14:hiddenLine>
             </a:ext>
             <a:ext uri="{AF507438-7753-43E0-B8FC-AC1667EBCBE1}">
-              <a14:hiddenEffects xmlns:a14="http://schemas.microsoft.com/office/drawing/2010/main" xmlns="">
+              <a14:hiddenEffects xmlns:a14="http://schemas.microsoft.com/office/drawing/2010/main">
                 <a:effectLst>
                   <a:outerShdw dist="35921" dir="2700000" algn="ctr" rotWithShape="0">
                     <a:schemeClr val="bg2"/>
@@ -15253,7 +15252,7 @@
           <p:cNvPr id="1025" name="Picture 1" descr="signature_1874630819">
             <a:extLst>
               <a:ext uri="{FF2B5EF4-FFF2-40B4-BE49-F238E27FC236}">
-                <a16:creationId xmlns:a16="http://schemas.microsoft.com/office/drawing/2014/main" xmlns="" id="{020C3021-7DF7-F241-B9D3-8F94D638D928}"/>
+                <a16:creationId xmlns:a16="http://schemas.microsoft.com/office/drawing/2014/main" id="{020C3021-7DF7-F241-B9D3-8F94D638D928}"/>
               </a:ext>
             </a:extLst>
           </p:cNvPr>
@@ -15266,7 +15265,7 @@
           <a:blip r:embed="rId10" r:link="rId11">
             <a:extLst>
               <a:ext uri="{28A0092B-C50C-407E-A947-70E740481C1C}">
-                <a14:useLocalDpi xmlns:a14="http://schemas.microsoft.com/office/drawing/2010/main" xmlns="" val="0"/>
+                <a14:useLocalDpi xmlns:a14="http://schemas.microsoft.com/office/drawing/2010/main" val="0"/>
               </a:ext>
             </a:extLst>
           </a:blip>
@@ -15286,7 +15285,7 @@
           <a:noFill/>
           <a:extLst>
             <a:ext uri="{909E8E84-426E-40DD-AFC4-6F175D3DCCD1}">
-              <a14:hiddenFill xmlns:a14="http://schemas.microsoft.com/office/drawing/2010/main" xmlns="">
+              <a14:hiddenFill xmlns:a14="http://schemas.microsoft.com/office/drawing/2010/main">
                 <a:solidFill>
                   <a:srgbClr val="FFFFFF"/>
                 </a:solidFill>
@@ -15300,7 +15299,7 @@
           <p:cNvPr id="1028" name="Picture 4" descr="Maveric Systems - Temenos">
             <a:extLst>
               <a:ext uri="{FF2B5EF4-FFF2-40B4-BE49-F238E27FC236}">
-                <a16:creationId xmlns:a16="http://schemas.microsoft.com/office/drawing/2014/main" xmlns="" id="{CA0C6FCA-5900-1141-A10C-2F57D13F7DCB}"/>
+                <a16:creationId xmlns:a16="http://schemas.microsoft.com/office/drawing/2014/main" id="{CA0C6FCA-5900-1141-A10C-2F57D13F7DCB}"/>
               </a:ext>
             </a:extLst>
           </p:cNvPr>
@@ -15313,7 +15312,7 @@
           <a:blip r:embed="rId12">
             <a:extLst>
               <a:ext uri="{28A0092B-C50C-407E-A947-70E740481C1C}">
-                <a14:useLocalDpi xmlns:a14="http://schemas.microsoft.com/office/drawing/2010/main" xmlns="" val="0"/>
+                <a14:useLocalDpi xmlns:a14="http://schemas.microsoft.com/office/drawing/2010/main" val="0"/>
               </a:ext>
             </a:extLst>
           </a:blip>
@@ -15333,7 +15332,7 @@
           <a:noFill/>
           <a:extLst>
             <a:ext uri="{909E8E84-426E-40DD-AFC4-6F175D3DCCD1}">
-              <a14:hiddenFill xmlns:a14="http://schemas.microsoft.com/office/drawing/2010/main" xmlns="">
+              <a14:hiddenFill xmlns:a14="http://schemas.microsoft.com/office/drawing/2010/main">
                 <a:solidFill>
                   <a:srgbClr val="FFFFFF"/>
                 </a:solidFill>
@@ -15347,7 +15346,7 @@
           <p:cNvPr id="17" name="Straight Connector 16">
             <a:extLst>
               <a:ext uri="{FF2B5EF4-FFF2-40B4-BE49-F238E27FC236}">
-                <a16:creationId xmlns:a16="http://schemas.microsoft.com/office/drawing/2014/main" xmlns="" id="{56091392-2275-D74B-8BC3-F61C150C63BB}"/>
+                <a16:creationId xmlns:a16="http://schemas.microsoft.com/office/drawing/2014/main" id="{56091392-2275-D74B-8BC3-F61C150C63BB}"/>
               </a:ext>
             </a:extLst>
           </p:cNvPr>
@@ -15393,7 +15392,7 @@
           <p:cNvPr id="21" name="Straight Connector 20">
             <a:extLst>
               <a:ext uri="{FF2B5EF4-FFF2-40B4-BE49-F238E27FC236}">
-                <a16:creationId xmlns:a16="http://schemas.microsoft.com/office/drawing/2014/main" xmlns="" id="{4983C55A-3F26-B54F-8444-A8074C7CC90A}"/>
+                <a16:creationId xmlns:a16="http://schemas.microsoft.com/office/drawing/2014/main" id="{4983C55A-3F26-B54F-8444-A8074C7CC90A}"/>
               </a:ext>
             </a:extLst>
           </p:cNvPr>
@@ -15439,7 +15438,7 @@
           <p:cNvPr id="22" name="Straight Connector 21">
             <a:extLst>
               <a:ext uri="{FF2B5EF4-FFF2-40B4-BE49-F238E27FC236}">
-                <a16:creationId xmlns:a16="http://schemas.microsoft.com/office/drawing/2014/main" xmlns="" id="{A4D0B00E-5A92-7645-B4B3-7ED6A55FFD92}"/>
+                <a16:creationId xmlns:a16="http://schemas.microsoft.com/office/drawing/2014/main" id="{A4D0B00E-5A92-7645-B4B3-7ED6A55FFD92}"/>
               </a:ext>
             </a:extLst>
           </p:cNvPr>
@@ -15485,7 +15484,7 @@
           <p:cNvPr id="2" name="TextBox 1">
             <a:extLst>
               <a:ext uri="{FF2B5EF4-FFF2-40B4-BE49-F238E27FC236}">
-                <a16:creationId xmlns:a16="http://schemas.microsoft.com/office/drawing/2014/main" xmlns="" id="{751E1F8E-739A-E443-85DB-7358461EDD02}"/>
+                <a16:creationId xmlns:a16="http://schemas.microsoft.com/office/drawing/2014/main" id="{751E1F8E-739A-E443-85DB-7358461EDD02}"/>
               </a:ext>
             </a:extLst>
           </p:cNvPr>
@@ -16306,14 +16305,6 @@
               </a:rPr>
               <a:t>Welcome! </a:t>
             </a:r>
-            <a:r>
-              <a:rPr lang="en" sz="4400" b="1" dirty="0">
-                <a:solidFill>
-                  <a:srgbClr val="4285F4"/>
-                </a:solidFill>
-              </a:rPr>
-              <a:t/>
-            </a:r>
             <a:br>
               <a:rPr lang="en" sz="4400" b="1" dirty="0">
                 <a:solidFill>
@@ -16574,7 +16565,7 @@
           <p:cNvPr id="10" name="Google Shape;1544;p1">
             <a:extLst>
               <a:ext uri="{FF2B5EF4-FFF2-40B4-BE49-F238E27FC236}">
-                <a16:creationId xmlns:a16="http://schemas.microsoft.com/office/drawing/2014/main" xmlns="" id="{B3D5E130-A856-B64E-A6F1-D378B77AC7A3}"/>
+                <a16:creationId xmlns:a16="http://schemas.microsoft.com/office/drawing/2014/main" id="{B3D5E130-A856-B64E-A6F1-D378B77AC7A3}"/>
               </a:ext>
             </a:extLst>
           </p:cNvPr>
@@ -16637,7 +16628,7 @@
           <p:cNvPr id="2" name="Rectangle 2">
             <a:extLst>
               <a:ext uri="{FF2B5EF4-FFF2-40B4-BE49-F238E27FC236}">
-                <a16:creationId xmlns:a16="http://schemas.microsoft.com/office/drawing/2014/main" xmlns="" id="{FA2CE5A8-2BD9-6C4C-874D-B40158A66204}"/>
+                <a16:creationId xmlns:a16="http://schemas.microsoft.com/office/drawing/2014/main" id="{FA2CE5A8-2BD9-6C4C-874D-B40158A66204}"/>
               </a:ext>
             </a:extLst>
           </p:cNvPr>
@@ -16661,14 +16652,14 @@
           <a:effectLst/>
           <a:extLst>
             <a:ext uri="{909E8E84-426E-40DD-AFC4-6F175D3DCCD1}">
-              <a14:hiddenFill xmlns:a14="http://schemas.microsoft.com/office/drawing/2010/main" xmlns="">
+              <a14:hiddenFill xmlns:a14="http://schemas.microsoft.com/office/drawing/2010/main">
                 <a:solidFill>
                   <a:schemeClr val="accent1"/>
                 </a:solidFill>
               </a14:hiddenFill>
             </a:ext>
             <a:ext uri="{91240B29-F687-4F45-9708-019B960494DF}">
-              <a14:hiddenLine xmlns:a14="http://schemas.microsoft.com/office/drawing/2010/main" xmlns="" w="9525">
+              <a14:hiddenLine xmlns:a14="http://schemas.microsoft.com/office/drawing/2010/main" w="9525">
                 <a:solidFill>
                   <a:schemeClr val="tx1"/>
                 </a:solidFill>
@@ -16678,7 +16669,7 @@
               </a14:hiddenLine>
             </a:ext>
             <a:ext uri="{AF507438-7753-43E0-B8FC-AC1667EBCBE1}">
-              <a14:hiddenEffects xmlns:a14="http://schemas.microsoft.com/office/drawing/2010/main" xmlns="">
+              <a14:hiddenEffects xmlns:a14="http://schemas.microsoft.com/office/drawing/2010/main">
                 <a:effectLst>
                   <a:outerShdw dist="35921" dir="2700000" algn="ctr" rotWithShape="0">
                     <a:schemeClr val="bg2"/>
@@ -16704,7 +16695,7 @@
     </p:spTree>
     <p:extLst>
       <p:ext uri="{BB962C8B-B14F-4D97-AF65-F5344CB8AC3E}">
-        <p14:creationId xmlns:p14="http://schemas.microsoft.com/office/powerpoint/2010/main" xmlns="" val="4202576349"/>
+        <p14:creationId xmlns:p14="http://schemas.microsoft.com/office/powerpoint/2010/main" val="4202576349"/>
       </p:ext>
     </p:extLst>
   </p:cSld>
@@ -17230,7 +17221,7 @@
     </p:spTree>
     <p:extLst>
       <p:ext uri="{BB962C8B-B14F-4D97-AF65-F5344CB8AC3E}">
-        <p14:creationId xmlns:p14="http://schemas.microsoft.com/office/powerpoint/2010/main" xmlns="" val="2265058581"/>
+        <p14:creationId xmlns:p14="http://schemas.microsoft.com/office/powerpoint/2010/main" val="2265058581"/>
       </p:ext>
     </p:extLst>
   </p:cSld>
@@ -17289,7 +17280,7 @@
           <p:cNvPr id="9" name="Table 8">
             <a:extLst>
               <a:ext uri="{FF2B5EF4-FFF2-40B4-BE49-F238E27FC236}">
-                <a16:creationId xmlns:a16="http://schemas.microsoft.com/office/drawing/2014/main" xmlns="" id="{3D9B981C-5C04-4DEE-B872-22EE80D4AD77}"/>
+                <a16:creationId xmlns:a16="http://schemas.microsoft.com/office/drawing/2014/main" id="{3D9B981C-5C04-4DEE-B872-22EE80D4AD77}"/>
               </a:ext>
             </a:extLst>
           </p:cNvPr>
@@ -17312,7 +17303,7 @@
                 <a:gridCol w="6658184">
                   <a:extLst>
                     <a:ext uri="{9D8B030D-6E8A-4147-A177-3AD203B41FA5}">
-                      <a16:colId xmlns:a16="http://schemas.microsoft.com/office/drawing/2014/main" xmlns="" val="1695728431"/>
+                      <a16:colId xmlns:a16="http://schemas.microsoft.com/office/drawing/2014/main" val="1695728431"/>
                     </a:ext>
                   </a:extLst>
                 </a:gridCol>
@@ -17363,7 +17354,7 @@
                 </a:tc>
                 <a:extLst>
                   <a:ext uri="{0D108BD9-81ED-4DB2-BD59-A6C34878D82A}">
-                    <a16:rowId xmlns:a16="http://schemas.microsoft.com/office/drawing/2014/main" xmlns="" val="2307098774"/>
+                    <a16:rowId xmlns:a16="http://schemas.microsoft.com/office/drawing/2014/main" val="2307098774"/>
                   </a:ext>
                 </a:extLst>
               </a:tr>
@@ -17419,7 +17410,7 @@
                 </a:tc>
                 <a:extLst>
                   <a:ext uri="{0D108BD9-81ED-4DB2-BD59-A6C34878D82A}">
-                    <a16:rowId xmlns:a16="http://schemas.microsoft.com/office/drawing/2014/main" xmlns="" val="1466711860"/>
+                    <a16:rowId xmlns:a16="http://schemas.microsoft.com/office/drawing/2014/main" val="1466711860"/>
                   </a:ext>
                 </a:extLst>
               </a:tr>
@@ -17477,7 +17468,7 @@
                 </a:tc>
                 <a:extLst>
                   <a:ext uri="{0D108BD9-81ED-4DB2-BD59-A6C34878D82A}">
-                    <a16:rowId xmlns:a16="http://schemas.microsoft.com/office/drawing/2014/main" xmlns="" val="1924402624"/>
+                    <a16:rowId xmlns:a16="http://schemas.microsoft.com/office/drawing/2014/main" val="1924402624"/>
                   </a:ext>
                 </a:extLst>
               </a:tr>
@@ -17535,7 +17526,7 @@
                 </a:tc>
                 <a:extLst>
                   <a:ext uri="{0D108BD9-81ED-4DB2-BD59-A6C34878D82A}">
-                    <a16:rowId xmlns:a16="http://schemas.microsoft.com/office/drawing/2014/main" xmlns="" val="2634114360"/>
+                    <a16:rowId xmlns:a16="http://schemas.microsoft.com/office/drawing/2014/main" val="2634114360"/>
                   </a:ext>
                 </a:extLst>
               </a:tr>
@@ -17593,7 +17584,7 @@
                 </a:tc>
                 <a:extLst>
                   <a:ext uri="{0D108BD9-81ED-4DB2-BD59-A6C34878D82A}">
-                    <a16:rowId xmlns:a16="http://schemas.microsoft.com/office/drawing/2014/main" xmlns="" val="3660763407"/>
+                    <a16:rowId xmlns:a16="http://schemas.microsoft.com/office/drawing/2014/main" val="3660763407"/>
                   </a:ext>
                 </a:extLst>
               </a:tr>
@@ -17651,7 +17642,7 @@
                 </a:tc>
                 <a:extLst>
                   <a:ext uri="{0D108BD9-81ED-4DB2-BD59-A6C34878D82A}">
-                    <a16:rowId xmlns:a16="http://schemas.microsoft.com/office/drawing/2014/main" xmlns="" val="376303497"/>
+                    <a16:rowId xmlns:a16="http://schemas.microsoft.com/office/drawing/2014/main" val="376303497"/>
                   </a:ext>
                 </a:extLst>
               </a:tr>
@@ -17662,7 +17653,7 @@
     </p:spTree>
     <p:extLst>
       <p:ext uri="{BB962C8B-B14F-4D97-AF65-F5344CB8AC3E}">
-        <p14:creationId xmlns:p14="http://schemas.microsoft.com/office/powerpoint/2010/main" xmlns="" val="1100267961"/>
+        <p14:creationId xmlns:p14="http://schemas.microsoft.com/office/powerpoint/2010/main" val="1100267961"/>
       </p:ext>
     </p:extLst>
   </p:cSld>
@@ -17818,7 +17809,7 @@
     </p:spTree>
     <p:extLst>
       <p:ext uri="{BB962C8B-B14F-4D97-AF65-F5344CB8AC3E}">
-        <p14:creationId xmlns:p14="http://schemas.microsoft.com/office/powerpoint/2010/main" xmlns="" val="1446988110"/>
+        <p14:creationId xmlns:p14="http://schemas.microsoft.com/office/powerpoint/2010/main" val="1446988110"/>
       </p:ext>
     </p:extLst>
   </p:cSld>
@@ -18225,7 +18216,7 @@
     </p:spTree>
     <p:extLst>
       <p:ext uri="{BB962C8B-B14F-4D97-AF65-F5344CB8AC3E}">
-        <p14:creationId xmlns:p14="http://schemas.microsoft.com/office/powerpoint/2010/main" xmlns="" val="2969704585"/>
+        <p14:creationId xmlns:p14="http://schemas.microsoft.com/office/powerpoint/2010/main" val="2969704585"/>
       </p:ext>
     </p:extLst>
   </p:cSld>
@@ -18286,66 +18277,68 @@
         </p:nvSpPr>
         <p:spPr/>
         <p:txBody>
-          <a:bodyPr/>
+          <a:bodyPr>
+            <a:normAutofit/>
+          </a:bodyPr>
           <a:lstStyle/>
           <a:p>
             <a:r>
-              <a:rPr lang="en-US" dirty="0"/>
+              <a:rPr lang="en-US" sz="2000" dirty="0"/>
               <a:t>It is possible to restrict the stream processing to the first n elements</a:t>
             </a:r>
           </a:p>
           <a:p>
             <a:pPr lvl="1"/>
             <a:r>
-              <a:rPr lang="en-US" dirty="0"/>
+              <a:rPr lang="en-US" sz="2000" dirty="0"/>
               <a:t>Use the </a:t>
             </a:r>
             <a:r>
-              <a:rPr lang="en-US" dirty="0">
+              <a:rPr lang="en-US" sz="2000" dirty="0">
                 <a:latin typeface="Courier New"/>
                 <a:cs typeface="Courier New"/>
               </a:rPr>
               <a:t>limit(n)</a:t>
             </a:r>
             <a:r>
-              <a:rPr lang="en-US" dirty="0"/>
+              <a:rPr lang="en-US" sz="2000" dirty="0"/>
               <a:t> method</a:t>
             </a:r>
           </a:p>
           <a:p>
             <a:pPr lvl="1"/>
-            <a:endParaRPr lang="en-US" dirty="0"/>
+            <a:endParaRPr lang="en-US" sz="2000" dirty="0"/>
           </a:p>
           <a:p>
             <a:pPr lvl="1"/>
-            <a:endParaRPr lang="en-US" dirty="0"/>
+            <a:endParaRPr lang="en-US" sz="2000" dirty="0"/>
           </a:p>
           <a:p>
             <a:pPr lvl="1"/>
-            <a:endParaRPr lang="en-US" dirty="0"/>
+            <a:endParaRPr lang="en-US" sz="2000" dirty="0"/>
           </a:p>
           <a:p>
             <a:pPr lvl="1"/>
-            <a:endParaRPr lang="en-US" dirty="0"/>
+            <a:endParaRPr lang="en-US" sz="2000" dirty="0"/>
           </a:p>
           <a:p>
             <a:pPr lvl="1"/>
-            <a:endParaRPr lang="en-US" dirty="0"/>
+            <a:endParaRPr lang="en-US" sz="2000" dirty="0"/>
           </a:p>
           <a:p>
             <a:pPr lvl="1"/>
-            <a:endParaRPr lang="en-US" dirty="0"/>
-          </a:p>
-          <a:p>
-            <a:r>
-              <a:rPr lang="en-US" dirty="0">
+            <a:endParaRPr lang="en-US" sz="2000" dirty="0"/>
+          </a:p>
+          <a:p>
+            <a:r>
+              <a:rPr lang="en-US" sz="2000" dirty="0">
                 <a:latin typeface="Courier New"/>
                 <a:cs typeface="Courier New"/>
               </a:rPr>
               <a:t>skip(n)</a:t>
             </a:r>
             <a:r>
-              <a:rPr lang="en-US" dirty="0"/>
+              <a:rPr lang="en-US" sz="2000" dirty="0"/>
               <a:t> method allows for the first n elements to be skipped</a:t>
             </a:r>
           </a:p>
@@ -18878,7 +18871,7 @@
     </p:spTree>
     <p:extLst>
       <p:ext uri="{BB962C8B-B14F-4D97-AF65-F5344CB8AC3E}">
-        <p14:creationId xmlns:p14="http://schemas.microsoft.com/office/powerpoint/2010/main" xmlns="" val="286290411"/>
+        <p14:creationId xmlns:p14="http://schemas.microsoft.com/office/powerpoint/2010/main" val="286290411"/>
       </p:ext>
     </p:extLst>
   </p:cSld>
@@ -19267,7 +19260,7 @@
     </p:spTree>
     <p:extLst>
       <p:ext uri="{BB962C8B-B14F-4D97-AF65-F5344CB8AC3E}">
-        <p14:creationId xmlns:p14="http://schemas.microsoft.com/office/powerpoint/2010/main" xmlns="" val="3045862621"/>
+        <p14:creationId xmlns:p14="http://schemas.microsoft.com/office/powerpoint/2010/main" val="3045862621"/>
       </p:ext>
     </p:extLst>
   </p:cSld>
@@ -19650,7 +19643,7 @@
     </p:spTree>
     <p:extLst>
       <p:ext uri="{BB962C8B-B14F-4D97-AF65-F5344CB8AC3E}">
-        <p14:creationId xmlns:p14="http://schemas.microsoft.com/office/powerpoint/2010/main" xmlns="" val="2139960333"/>
+        <p14:creationId xmlns:p14="http://schemas.microsoft.com/office/powerpoint/2010/main" val="2139960333"/>
       </p:ext>
     </p:extLst>
   </p:cSld>
@@ -19709,7 +19702,7 @@
           <p:cNvPr id="9" name="Table 8">
             <a:extLst>
               <a:ext uri="{FF2B5EF4-FFF2-40B4-BE49-F238E27FC236}">
-                <a16:creationId xmlns:a16="http://schemas.microsoft.com/office/drawing/2014/main" xmlns="" id="{8CAB9B56-D4CF-4F62-AB1A-E1CEFDEF7EC4}"/>
+                <a16:creationId xmlns:a16="http://schemas.microsoft.com/office/drawing/2014/main" id="{8CAB9B56-D4CF-4F62-AB1A-E1CEFDEF7EC4}"/>
               </a:ext>
             </a:extLst>
           </p:cNvPr>
@@ -19732,7 +19725,7 @@
                 <a:gridCol w="6658184">
                   <a:extLst>
                     <a:ext uri="{9D8B030D-6E8A-4147-A177-3AD203B41FA5}">
-                      <a16:colId xmlns:a16="http://schemas.microsoft.com/office/drawing/2014/main" xmlns="" val="1695728431"/>
+                      <a16:colId xmlns:a16="http://schemas.microsoft.com/office/drawing/2014/main" val="1695728431"/>
                     </a:ext>
                   </a:extLst>
                 </a:gridCol>
@@ -19783,7 +19776,7 @@
                 </a:tc>
                 <a:extLst>
                   <a:ext uri="{0D108BD9-81ED-4DB2-BD59-A6C34878D82A}">
-                    <a16:rowId xmlns:a16="http://schemas.microsoft.com/office/drawing/2014/main" xmlns="" val="2307098774"/>
+                    <a16:rowId xmlns:a16="http://schemas.microsoft.com/office/drawing/2014/main" val="2307098774"/>
                   </a:ext>
                 </a:extLst>
               </a:tr>
@@ -19841,7 +19834,7 @@
                 </a:tc>
                 <a:extLst>
                   <a:ext uri="{0D108BD9-81ED-4DB2-BD59-A6C34878D82A}">
-                    <a16:rowId xmlns:a16="http://schemas.microsoft.com/office/drawing/2014/main" xmlns="" val="1466711860"/>
+                    <a16:rowId xmlns:a16="http://schemas.microsoft.com/office/drawing/2014/main" val="1466711860"/>
                   </a:ext>
                 </a:extLst>
               </a:tr>
@@ -19897,7 +19890,7 @@
                 </a:tc>
                 <a:extLst>
                   <a:ext uri="{0D108BD9-81ED-4DB2-BD59-A6C34878D82A}">
-                    <a16:rowId xmlns:a16="http://schemas.microsoft.com/office/drawing/2014/main" xmlns="" val="1924402624"/>
+                    <a16:rowId xmlns:a16="http://schemas.microsoft.com/office/drawing/2014/main" val="1924402624"/>
                   </a:ext>
                 </a:extLst>
               </a:tr>
@@ -19955,7 +19948,7 @@
                 </a:tc>
                 <a:extLst>
                   <a:ext uri="{0D108BD9-81ED-4DB2-BD59-A6C34878D82A}">
-                    <a16:rowId xmlns:a16="http://schemas.microsoft.com/office/drawing/2014/main" xmlns="" val="2634114360"/>
+                    <a16:rowId xmlns:a16="http://schemas.microsoft.com/office/drawing/2014/main" val="2634114360"/>
                   </a:ext>
                 </a:extLst>
               </a:tr>
@@ -20013,7 +20006,7 @@
                 </a:tc>
                 <a:extLst>
                   <a:ext uri="{0D108BD9-81ED-4DB2-BD59-A6C34878D82A}">
-                    <a16:rowId xmlns:a16="http://schemas.microsoft.com/office/drawing/2014/main" xmlns="" val="3660763407"/>
+                    <a16:rowId xmlns:a16="http://schemas.microsoft.com/office/drawing/2014/main" val="3660763407"/>
                   </a:ext>
                 </a:extLst>
               </a:tr>
@@ -20071,7 +20064,7 @@
                 </a:tc>
                 <a:extLst>
                   <a:ext uri="{0D108BD9-81ED-4DB2-BD59-A6C34878D82A}">
-                    <a16:rowId xmlns:a16="http://schemas.microsoft.com/office/drawing/2014/main" xmlns="" val="376303497"/>
+                    <a16:rowId xmlns:a16="http://schemas.microsoft.com/office/drawing/2014/main" val="376303497"/>
                   </a:ext>
                 </a:extLst>
               </a:tr>
@@ -20082,7 +20075,7 @@
     </p:spTree>
     <p:extLst>
       <p:ext uri="{BB962C8B-B14F-4D97-AF65-F5344CB8AC3E}">
-        <p14:creationId xmlns:p14="http://schemas.microsoft.com/office/powerpoint/2010/main" xmlns="" val="642347989"/>
+        <p14:creationId xmlns:p14="http://schemas.microsoft.com/office/powerpoint/2010/main" val="642347989"/>
       </p:ext>
     </p:extLst>
   </p:cSld>
@@ -20581,7 +20574,7 @@
     </p:spTree>
     <p:extLst>
       <p:ext uri="{BB962C8B-B14F-4D97-AF65-F5344CB8AC3E}">
-        <p14:creationId xmlns:p14="http://schemas.microsoft.com/office/powerpoint/2010/main" xmlns="" val="2120857129"/>
+        <p14:creationId xmlns:p14="http://schemas.microsoft.com/office/powerpoint/2010/main" val="2120857129"/>
       </p:ext>
     </p:extLst>
   </p:cSld>
@@ -21313,7 +21306,7 @@
     </p:spTree>
     <p:extLst>
       <p:ext uri="{BB962C8B-B14F-4D97-AF65-F5344CB8AC3E}">
-        <p14:creationId xmlns:p14="http://schemas.microsoft.com/office/powerpoint/2010/main" xmlns="" val="3195990062"/>
+        <p14:creationId xmlns:p14="http://schemas.microsoft.com/office/powerpoint/2010/main" val="3195990062"/>
       </p:ext>
     </p:extLst>
   </p:cSld>
@@ -21345,7 +21338,7 @@
           <p:cNvPr id="2" name="Text Placeholder 1">
             <a:extLst>
               <a:ext uri="{FF2B5EF4-FFF2-40B4-BE49-F238E27FC236}">
-                <a16:creationId xmlns:a16="http://schemas.microsoft.com/office/drawing/2014/main" xmlns="" id="{CEF43E03-FB80-624C-92C6-46AD8E85A92D}"/>
+                <a16:creationId xmlns:a16="http://schemas.microsoft.com/office/drawing/2014/main" id="{CEF43E03-FB80-624C-92C6-46AD8E85A92D}"/>
               </a:ext>
             </a:extLst>
           </p:cNvPr>
@@ -21420,7 +21413,7 @@
           <p:cNvPr id="3" name="Title 2">
             <a:extLst>
               <a:ext uri="{FF2B5EF4-FFF2-40B4-BE49-F238E27FC236}">
-                <a16:creationId xmlns:a16="http://schemas.microsoft.com/office/drawing/2014/main" xmlns="" id="{16C7C91C-82DD-F543-B3AB-8B280D85D08C}"/>
+                <a16:creationId xmlns:a16="http://schemas.microsoft.com/office/drawing/2014/main" id="{16C7C91C-82DD-F543-B3AB-8B280D85D08C}"/>
               </a:ext>
             </a:extLst>
           </p:cNvPr>
@@ -21448,7 +21441,7 @@
           <p:cNvPr id="5" name="Slide Number Placeholder 4">
             <a:extLst>
               <a:ext uri="{FF2B5EF4-FFF2-40B4-BE49-F238E27FC236}">
-                <a16:creationId xmlns:a16="http://schemas.microsoft.com/office/drawing/2014/main" xmlns="" id="{D70123C1-31B5-3149-8CAE-DC077F2BFF08}"/>
+                <a16:creationId xmlns:a16="http://schemas.microsoft.com/office/drawing/2014/main" id="{D70123C1-31B5-3149-8CAE-DC077F2BFF08}"/>
               </a:ext>
             </a:extLst>
           </p:cNvPr>
@@ -21493,7 +21486,7 @@
     </p:spTree>
     <p:extLst>
       <p:ext uri="{BB962C8B-B14F-4D97-AF65-F5344CB8AC3E}">
-        <p14:creationId xmlns:p14="http://schemas.microsoft.com/office/powerpoint/2010/main" xmlns="" val="3588976481"/>
+        <p14:creationId xmlns:p14="http://schemas.microsoft.com/office/powerpoint/2010/main" val="3588976481"/>
       </p:ext>
     </p:extLst>
   </p:cSld>
@@ -21863,7 +21856,7 @@
     </p:spTree>
     <p:extLst>
       <p:ext uri="{BB962C8B-B14F-4D97-AF65-F5344CB8AC3E}">
-        <p14:creationId xmlns:p14="http://schemas.microsoft.com/office/powerpoint/2010/main" xmlns="" val="2541507696"/>
+        <p14:creationId xmlns:p14="http://schemas.microsoft.com/office/powerpoint/2010/main" val="2541507696"/>
       </p:ext>
     </p:extLst>
   </p:cSld>
@@ -21924,11 +21917,13 @@
         </p:nvSpPr>
         <p:spPr/>
         <p:txBody>
-          <a:bodyPr/>
+          <a:bodyPr>
+            <a:normAutofit/>
+          </a:bodyPr>
           <a:lstStyle/>
           <a:p>
             <a:r>
-              <a:rPr lang="en-US" dirty="0"/>
+              <a:rPr lang="en-US" sz="2400" dirty="0"/>
               <a:t>For processing streams of numbers, three streams are provided</a:t>
             </a:r>
           </a:p>
@@ -21972,53 +21967,53 @@
           </a:p>
           <a:p>
             <a:r>
-              <a:rPr lang="en-US" dirty="0"/>
+              <a:rPr lang="en-US" sz="2400" dirty="0"/>
               <a:t>These provide convenience operations such as </a:t>
             </a:r>
             <a:r>
-              <a:rPr lang="en-US" dirty="0">
+              <a:rPr lang="en-US" sz="2400" dirty="0">
                 <a:latin typeface="Courier New"/>
                 <a:cs typeface="Courier New"/>
               </a:rPr>
               <a:t>max</a:t>
             </a:r>
             <a:r>
-              <a:rPr lang="en-US" dirty="0">
+              <a:rPr lang="en-US" sz="2400" dirty="0">
                 <a:latin typeface="+mj-lt"/>
                 <a:cs typeface="Courier New"/>
               </a:rPr>
               <a:t>, </a:t>
             </a:r>
             <a:r>
-              <a:rPr lang="en-US" dirty="0">
+              <a:rPr lang="en-US" sz="2400" dirty="0">
                 <a:latin typeface="Courier New"/>
                 <a:cs typeface="Courier New"/>
               </a:rPr>
               <a:t>min</a:t>
             </a:r>
             <a:r>
-              <a:rPr lang="en-US" dirty="0">
+              <a:rPr lang="en-US" sz="2400" dirty="0">
                 <a:latin typeface="+mj-lt"/>
                 <a:cs typeface="Courier New"/>
               </a:rPr>
               <a:t>, </a:t>
             </a:r>
             <a:r>
-              <a:rPr lang="en-US" dirty="0">
+              <a:rPr lang="en-US" sz="2400" dirty="0">
                 <a:latin typeface="Courier New"/>
                 <a:cs typeface="Courier New"/>
               </a:rPr>
               <a:t>average</a:t>
             </a:r>
             <a:r>
-              <a:rPr lang="en-US" dirty="0">
+              <a:rPr lang="en-US" sz="2400" dirty="0">
                 <a:latin typeface="+mj-lt"/>
                 <a:cs typeface="Courier New"/>
               </a:rPr>
               <a:t>, </a:t>
             </a:r>
             <a:r>
-              <a:rPr lang="en-US" dirty="0">
+              <a:rPr lang="en-US" sz="2400" dirty="0">
                 <a:latin typeface="Courier New"/>
                 <a:cs typeface="Courier New"/>
               </a:rPr>
@@ -22026,19 +22021,28 @@
             </a:r>
           </a:p>
           <a:p>
-            <a:endParaRPr lang="en-US" dirty="0">
+            <a:endParaRPr lang="en-US" sz="2400" dirty="0">
               <a:latin typeface="Courier New"/>
               <a:cs typeface="Courier New"/>
             </a:endParaRPr>
           </a:p>
           <a:p>
-            <a:endParaRPr lang="en-US" dirty="0">
+            <a:endParaRPr lang="en-US" sz="2400" dirty="0">
               <a:latin typeface="Courier New"/>
               <a:cs typeface="Courier New"/>
             </a:endParaRPr>
           </a:p>
           <a:p>
             <a:pPr marL="0" indent="0">
+              <a:buNone/>
+            </a:pPr>
+            <a:endParaRPr lang="en-US" sz="2400" dirty="0">
+              <a:latin typeface="Courier New"/>
+              <a:cs typeface="Courier New"/>
+            </a:endParaRPr>
+          </a:p>
+          <a:p>
+            <a:pPr marL="304518" lvl="1" indent="0">
               <a:buNone/>
             </a:pPr>
             <a:endParaRPr lang="en-US" dirty="0">
@@ -22047,44 +22051,35 @@
             </a:endParaRPr>
           </a:p>
           <a:p>
-            <a:pPr marL="304518" lvl="1" indent="0">
-              <a:buNone/>
-            </a:pPr>
-            <a:endParaRPr lang="en-US" sz="1599" dirty="0">
-              <a:latin typeface="Courier New"/>
-              <a:cs typeface="Courier New"/>
-            </a:endParaRPr>
-          </a:p>
-          <a:p>
-            <a:r>
-              <a:rPr lang="en-US" dirty="0">
+            <a:r>
+              <a:rPr lang="en-US" sz="2400" dirty="0">
                 <a:latin typeface="Courier New"/>
                 <a:cs typeface="Courier New"/>
               </a:rPr>
               <a:t>IntStream</a:t>
             </a:r>
             <a:r>
-              <a:rPr lang="en-US" dirty="0">
+              <a:rPr lang="en-US" sz="2400" dirty="0">
                 <a:latin typeface="+mn-lt"/>
                 <a:cs typeface="Courier New"/>
               </a:rPr>
               <a:t> and </a:t>
             </a:r>
             <a:r>
-              <a:rPr lang="en-US" dirty="0">
+              <a:rPr lang="en-US" sz="2400" dirty="0">
                 <a:latin typeface="Courier New"/>
                 <a:cs typeface="Courier New"/>
               </a:rPr>
               <a:t>LongStream</a:t>
             </a:r>
             <a:r>
-              <a:rPr lang="en-US" dirty="0">
+              <a:rPr lang="en-US" sz="2400" dirty="0">
                 <a:latin typeface="+mn-lt"/>
                 <a:cs typeface="Courier New"/>
               </a:rPr>
               <a:t> provide range method for generating a range of integers</a:t>
             </a:r>
-            <a:endParaRPr lang="en-US" dirty="0">
+            <a:endParaRPr lang="en-US" sz="2400" dirty="0">
               <a:latin typeface="Courier New"/>
               <a:cs typeface="Courier New"/>
             </a:endParaRPr>
@@ -22596,7 +22591,7 @@
     </p:spTree>
     <p:extLst>
       <p:ext uri="{BB962C8B-B14F-4D97-AF65-F5344CB8AC3E}">
-        <p14:creationId xmlns:p14="http://schemas.microsoft.com/office/powerpoint/2010/main" xmlns="" val="3525166296"/>
+        <p14:creationId xmlns:p14="http://schemas.microsoft.com/office/powerpoint/2010/main" val="3525166296"/>
       </p:ext>
     </p:extLst>
   </p:cSld>
@@ -23009,7 +23004,7 @@
     </p:spTree>
     <p:extLst>
       <p:ext uri="{BB962C8B-B14F-4D97-AF65-F5344CB8AC3E}">
-        <p14:creationId xmlns:p14="http://schemas.microsoft.com/office/powerpoint/2010/main" xmlns="" val="1067445740"/>
+        <p14:creationId xmlns:p14="http://schemas.microsoft.com/office/powerpoint/2010/main" val="1067445740"/>
       </p:ext>
     </p:extLst>
   </p:cSld>
@@ -23434,7 +23429,7 @@
     </p:spTree>
     <p:extLst>
       <p:ext uri="{BB962C8B-B14F-4D97-AF65-F5344CB8AC3E}">
-        <p14:creationId xmlns:p14="http://schemas.microsoft.com/office/powerpoint/2010/main" xmlns="" val="1799060857"/>
+        <p14:creationId xmlns:p14="http://schemas.microsoft.com/office/powerpoint/2010/main" val="1799060857"/>
       </p:ext>
     </p:extLst>
   </p:cSld>
@@ -23875,7 +23870,7 @@
     </p:spTree>
     <p:extLst>
       <p:ext uri="{BB962C8B-B14F-4D97-AF65-F5344CB8AC3E}">
-        <p14:creationId xmlns:p14="http://schemas.microsoft.com/office/powerpoint/2010/main" xmlns="" val="2037946395"/>
+        <p14:creationId xmlns:p14="http://schemas.microsoft.com/office/powerpoint/2010/main" val="2037946395"/>
       </p:ext>
     </p:extLst>
   </p:cSld>
@@ -24229,7 +24224,7 @@
     </p:spTree>
     <p:extLst>
       <p:ext uri="{BB962C8B-B14F-4D97-AF65-F5344CB8AC3E}">
-        <p14:creationId xmlns:p14="http://schemas.microsoft.com/office/powerpoint/2010/main" xmlns="" val="125347167"/>
+        <p14:creationId xmlns:p14="http://schemas.microsoft.com/office/powerpoint/2010/main" val="125347167"/>
       </p:ext>
     </p:extLst>
   </p:cSld>
@@ -24288,7 +24283,7 @@
           <p:cNvPr id="9" name="Table 8">
             <a:extLst>
               <a:ext uri="{FF2B5EF4-FFF2-40B4-BE49-F238E27FC236}">
-                <a16:creationId xmlns:a16="http://schemas.microsoft.com/office/drawing/2014/main" xmlns="" id="{81AF7DAE-A42A-4ABA-85E6-2DAED2EB0826}"/>
+                <a16:creationId xmlns:a16="http://schemas.microsoft.com/office/drawing/2014/main" id="{81AF7DAE-A42A-4ABA-85E6-2DAED2EB0826}"/>
               </a:ext>
             </a:extLst>
           </p:cNvPr>
@@ -24311,7 +24306,7 @@
                 <a:gridCol w="6658184">
                   <a:extLst>
                     <a:ext uri="{9D8B030D-6E8A-4147-A177-3AD203B41FA5}">
-                      <a16:colId xmlns:a16="http://schemas.microsoft.com/office/drawing/2014/main" xmlns="" val="1695728431"/>
+                      <a16:colId xmlns:a16="http://schemas.microsoft.com/office/drawing/2014/main" val="1695728431"/>
                     </a:ext>
                   </a:extLst>
                 </a:gridCol>
@@ -24362,7 +24357,7 @@
                 </a:tc>
                 <a:extLst>
                   <a:ext uri="{0D108BD9-81ED-4DB2-BD59-A6C34878D82A}">
-                    <a16:rowId xmlns:a16="http://schemas.microsoft.com/office/drawing/2014/main" xmlns="" val="2307098774"/>
+                    <a16:rowId xmlns:a16="http://schemas.microsoft.com/office/drawing/2014/main" val="2307098774"/>
                   </a:ext>
                 </a:extLst>
               </a:tr>
@@ -24420,7 +24415,7 @@
                 </a:tc>
                 <a:extLst>
                   <a:ext uri="{0D108BD9-81ED-4DB2-BD59-A6C34878D82A}">
-                    <a16:rowId xmlns:a16="http://schemas.microsoft.com/office/drawing/2014/main" xmlns="" val="1466711860"/>
+                    <a16:rowId xmlns:a16="http://schemas.microsoft.com/office/drawing/2014/main" val="1466711860"/>
                   </a:ext>
                 </a:extLst>
               </a:tr>
@@ -24478,7 +24473,7 @@
                 </a:tc>
                 <a:extLst>
                   <a:ext uri="{0D108BD9-81ED-4DB2-BD59-A6C34878D82A}">
-                    <a16:rowId xmlns:a16="http://schemas.microsoft.com/office/drawing/2014/main" xmlns="" val="1924402624"/>
+                    <a16:rowId xmlns:a16="http://schemas.microsoft.com/office/drawing/2014/main" val="1924402624"/>
                   </a:ext>
                 </a:extLst>
               </a:tr>
@@ -24534,7 +24529,7 @@
                 </a:tc>
                 <a:extLst>
                   <a:ext uri="{0D108BD9-81ED-4DB2-BD59-A6C34878D82A}">
-                    <a16:rowId xmlns:a16="http://schemas.microsoft.com/office/drawing/2014/main" xmlns="" val="2634114360"/>
+                    <a16:rowId xmlns:a16="http://schemas.microsoft.com/office/drawing/2014/main" val="2634114360"/>
                   </a:ext>
                 </a:extLst>
               </a:tr>
@@ -24592,7 +24587,7 @@
                 </a:tc>
                 <a:extLst>
                   <a:ext uri="{0D108BD9-81ED-4DB2-BD59-A6C34878D82A}">
-                    <a16:rowId xmlns:a16="http://schemas.microsoft.com/office/drawing/2014/main" xmlns="" val="3660763407"/>
+                    <a16:rowId xmlns:a16="http://schemas.microsoft.com/office/drawing/2014/main" val="3660763407"/>
                   </a:ext>
                 </a:extLst>
               </a:tr>
@@ -24650,7 +24645,7 @@
                 </a:tc>
                 <a:extLst>
                   <a:ext uri="{0D108BD9-81ED-4DB2-BD59-A6C34878D82A}">
-                    <a16:rowId xmlns:a16="http://schemas.microsoft.com/office/drawing/2014/main" xmlns="" val="376303497"/>
+                    <a16:rowId xmlns:a16="http://schemas.microsoft.com/office/drawing/2014/main" val="376303497"/>
                   </a:ext>
                 </a:extLst>
               </a:tr>
@@ -24661,7 +24656,7 @@
     </p:spTree>
     <p:extLst>
       <p:ext uri="{BB962C8B-B14F-4D97-AF65-F5344CB8AC3E}">
-        <p14:creationId xmlns:p14="http://schemas.microsoft.com/office/powerpoint/2010/main" xmlns="" val="894049047"/>
+        <p14:creationId xmlns:p14="http://schemas.microsoft.com/office/powerpoint/2010/main" val="894049047"/>
       </p:ext>
     </p:extLst>
   </p:cSld>
@@ -24960,10 +24955,6 @@
               <a:rPr lang="en-US" sz="1865" b="1" dirty="0"/>
               <a:t>orders.parallelStream()</a:t>
             </a:r>
-            <a:r>
-              <a:rPr lang="en-US" sz="1865" dirty="0"/>
-              <a:t/>
-            </a:r>
             <a:br>
               <a:rPr lang="en-US" sz="1865" dirty="0"/>
             </a:br>
@@ -25065,7 +25056,7 @@
     </p:spTree>
     <p:extLst>
       <p:ext uri="{BB962C8B-B14F-4D97-AF65-F5344CB8AC3E}">
-        <p14:creationId xmlns:p14="http://schemas.microsoft.com/office/powerpoint/2010/main" xmlns="" val="1778945806"/>
+        <p14:creationId xmlns:p14="http://schemas.microsoft.com/office/powerpoint/2010/main" val="1778945806"/>
       </p:ext>
     </p:extLst>
   </p:cSld>
@@ -25752,7 +25743,7 @@
     </p:spTree>
     <p:extLst>
       <p:ext uri="{BB962C8B-B14F-4D97-AF65-F5344CB8AC3E}">
-        <p14:creationId xmlns:p14="http://schemas.microsoft.com/office/powerpoint/2010/main" xmlns="" val="24971718"/>
+        <p14:creationId xmlns:p14="http://schemas.microsoft.com/office/powerpoint/2010/main" val="24971718"/>
       </p:ext>
     </p:extLst>
   </p:cSld>
@@ -26155,7 +26146,7 @@
     </p:spTree>
     <p:extLst>
       <p:ext uri="{BB962C8B-B14F-4D97-AF65-F5344CB8AC3E}">
-        <p14:creationId xmlns:p14="http://schemas.microsoft.com/office/powerpoint/2010/main" xmlns="" val="2884434064"/>
+        <p14:creationId xmlns:p14="http://schemas.microsoft.com/office/powerpoint/2010/main" val="2884434064"/>
       </p:ext>
     </p:extLst>
   </p:cSld>
@@ -26254,7 +26245,7 @@
     </p:spTree>
     <p:extLst>
       <p:ext uri="{BB962C8B-B14F-4D97-AF65-F5344CB8AC3E}">
-        <p14:creationId xmlns:p14="http://schemas.microsoft.com/office/powerpoint/2010/main" xmlns="" val="2662225195"/>
+        <p14:creationId xmlns:p14="http://schemas.microsoft.com/office/powerpoint/2010/main" val="2662225195"/>
       </p:ext>
     </p:extLst>
   </p:cSld>
@@ -26301,21 +26292,7 @@
                 <a:latin typeface="Tahoma" charset="0"/>
                 <a:cs typeface="Tahoma" charset="0"/>
               </a:rPr>
-              <a:t>Exercise </a:t>
-            </a:r>
-            <a:r>
-              <a:rPr lang="en-US" dirty="0" smtClean="0">
-                <a:latin typeface="Tahoma" charset="0"/>
-                <a:cs typeface="Tahoma" charset="0"/>
-              </a:rPr>
-              <a:t>2.1</a:t>
-            </a:r>
-            <a:r>
-              <a:rPr lang="en-US" dirty="0">
-                <a:latin typeface="Tahoma" charset="0"/>
-                <a:cs typeface="Tahoma" charset="0"/>
-              </a:rPr>
-              <a:t>: Working with Streams</a:t>
+              <a:t>Exercise 2.1: Working with Streams</a:t>
             </a:r>
           </a:p>
         </p:txBody>
@@ -26345,59 +26322,41 @@
                 <a:latin typeface="Tahoma" charset="0"/>
                 <a:cs typeface="Tahoma" charset="0"/>
               </a:rPr>
-              <a:t>Create an Employee class with </a:t>
-            </a:r>
-            <a:r>
-              <a:rPr lang="en-US" dirty="0" smtClean="0">
+              <a:t>Create an Employee class with fields id,empName,age,salary,jobtitle,dept.</a:t>
+            </a:r>
+          </a:p>
+          <a:p>
+            <a:pPr>
+              <a:buNone/>
+            </a:pPr>
+            <a:r>
+              <a:rPr lang="en-US" dirty="0">
                 <a:latin typeface="Tahoma" charset="0"/>
                 <a:cs typeface="Tahoma" charset="0"/>
               </a:rPr>
-              <a:t>fields id,empName,age,salary,jobtitle,dept.</a:t>
-            </a:r>
-          </a:p>
-          <a:p>
-            <a:pPr>
-              <a:buNone/>
-            </a:pPr>
-            <a:r>
-              <a:rPr lang="en-US" dirty="0" smtClean="0">
-                <a:latin typeface="Tahoma" charset="0"/>
-                <a:cs typeface="Tahoma" charset="0"/>
-              </a:rPr>
-              <a:t>Create a collection of employees(for example – dept (Finance,IT,Marketing etc) and jobtitle</a:t>
-            </a:r>
-            <a:r>
-              <a:rPr lang="en-US" dirty="0" smtClean="0">
-                <a:latin typeface="Tahoma" charset="0"/>
-                <a:cs typeface="Tahoma" charset="0"/>
-              </a:rPr>
-              <a:t>(</a:t>
-            </a:r>
-            <a:r>
-              <a:rPr lang="en-US" dirty="0" err="1" smtClean="0">
+              <a:t>Create a collection of employees(for example – dept (Finance,IT,Marketing etc) and jobtitle(</a:t>
+            </a:r>
+            <a:r>
+              <a:rPr lang="en-US" dirty="0" err="1">
                 <a:latin typeface="Tahoma" charset="0"/>
                 <a:cs typeface="Tahoma" charset="0"/>
               </a:rPr>
               <a:t>Manager,Associate,Sr</a:t>
             </a:r>
             <a:r>
-              <a:rPr lang="en-US" dirty="0" smtClean="0">
+              <a:rPr lang="en-US" dirty="0">
                 <a:latin typeface="Tahoma" charset="0"/>
                 <a:cs typeface="Tahoma" charset="0"/>
               </a:rPr>
               <a:t> Associate,VP,Director etc.)</a:t>
             </a:r>
-            <a:endParaRPr lang="en-US" dirty="0" smtClean="0">
-              <a:latin typeface="Tahoma" charset="0"/>
-              <a:cs typeface="Tahoma" charset="0"/>
-            </a:endParaRPr>
           </a:p>
           <a:p>
             <a:pPr>
               <a:buNone/>
             </a:pPr>
             <a:r>
-              <a:rPr lang="en-US" dirty="0" smtClean="0">
+              <a:rPr lang="en-US" dirty="0">
                 <a:latin typeface="Tahoma" charset="0"/>
                 <a:cs typeface="Tahoma" charset="0"/>
               </a:rPr>
@@ -26413,14 +26372,7 @@
                 <a:latin typeface="Tahoma" charset="0"/>
                 <a:cs typeface="Tahoma" charset="0"/>
               </a:rPr>
-              <a:t>	</a:t>
-            </a:r>
-            <a:r>
-              <a:rPr lang="en-US" dirty="0" smtClean="0">
-                <a:latin typeface="Tahoma" charset="0"/>
-                <a:cs typeface="Tahoma" charset="0"/>
-              </a:rPr>
-              <a:t>1. Group employees by job title </a:t>
+              <a:t>	1. Group employees by job title </a:t>
             </a:r>
           </a:p>
           <a:p>
@@ -26432,28 +26384,19 @@
                 <a:latin typeface="Tahoma" charset="0"/>
                 <a:cs typeface="Tahoma" charset="0"/>
               </a:rPr>
-              <a:t>	</a:t>
-            </a:r>
-            <a:r>
-              <a:rPr lang="en-US" dirty="0" smtClean="0">
-                <a:latin typeface="Tahoma" charset="0"/>
-                <a:cs typeface="Tahoma" charset="0"/>
-              </a:rPr>
-              <a:t>2. Group </a:t>
-            </a:r>
+              <a:t>	2. Group employees by dept</a:t>
+            </a:r>
+          </a:p>
+          <a:p>
+            <a:pPr>
+              <a:buNone/>
+            </a:pPr>
             <a:r>
               <a:rPr lang="en-US" dirty="0">
                 <a:latin typeface="Tahoma" charset="0"/>
                 <a:cs typeface="Tahoma" charset="0"/>
               </a:rPr>
-              <a:t>employees by </a:t>
-            </a:r>
-            <a:r>
-              <a:rPr lang="en-US" dirty="0" smtClean="0">
-                <a:latin typeface="Tahoma" charset="0"/>
-                <a:cs typeface="Tahoma" charset="0"/>
-              </a:rPr>
-              <a:t>dept</a:t>
+              <a:t>	3. Find employee with max salary</a:t>
             </a:r>
           </a:p>
           <a:p>
@@ -26465,14 +26408,7 @@
                 <a:latin typeface="Tahoma" charset="0"/>
                 <a:cs typeface="Tahoma" charset="0"/>
               </a:rPr>
-              <a:t>	</a:t>
-            </a:r>
-            <a:r>
-              <a:rPr lang="en-US" dirty="0" smtClean="0">
-                <a:latin typeface="Tahoma" charset="0"/>
-                <a:cs typeface="Tahoma" charset="0"/>
-              </a:rPr>
-              <a:t>3. Find employee with max salary</a:t>
+              <a:t>	4. Find top 5 employees with higher salary.</a:t>
             </a:r>
           </a:p>
           <a:p>
@@ -26484,14 +26420,7 @@
                 <a:latin typeface="Tahoma" charset="0"/>
                 <a:cs typeface="Tahoma" charset="0"/>
               </a:rPr>
-              <a:t>	</a:t>
-            </a:r>
-            <a:r>
-              <a:rPr lang="en-US" dirty="0" smtClean="0">
-                <a:latin typeface="Tahoma" charset="0"/>
-                <a:cs typeface="Tahoma" charset="0"/>
-              </a:rPr>
-              <a:t>4. Find top 5 employees with higher salary.</a:t>
+              <a:t>	5. Display all Director’s</a:t>
             </a:r>
           </a:p>
           <a:p>
@@ -26503,33 +26432,14 @@
                 <a:latin typeface="Tahoma" charset="0"/>
                 <a:cs typeface="Tahoma" charset="0"/>
               </a:rPr>
-              <a:t>	</a:t>
-            </a:r>
-            <a:r>
-              <a:rPr lang="en-US" dirty="0" smtClean="0">
-                <a:latin typeface="Tahoma" charset="0"/>
-                <a:cs typeface="Tahoma" charset="0"/>
-              </a:rPr>
-              <a:t>5. Display all Director’s</a:t>
+              <a:t> </a:t>
             </a:r>
           </a:p>
           <a:p>
             <a:pPr>
               <a:buNone/>
             </a:pPr>
-            <a:r>
-              <a:rPr lang="en-US" dirty="0" smtClean="0">
-                <a:latin typeface="Tahoma" charset="0"/>
-                <a:cs typeface="Tahoma" charset="0"/>
-              </a:rPr>
-              <a:t> </a:t>
-            </a:r>
-          </a:p>
-          <a:p>
-            <a:pPr>
-              <a:buNone/>
-            </a:pPr>
-            <a:endParaRPr lang="en-US" dirty="0" smtClean="0">
+            <a:endParaRPr lang="en-US" dirty="0">
               <a:latin typeface="Tahoma" charset="0"/>
               <a:cs typeface="Tahoma" charset="0"/>
             </a:endParaRPr>
@@ -26548,7 +26458,7 @@
     </p:spTree>
     <p:extLst>
       <p:ext uri="{BB962C8B-B14F-4D97-AF65-F5344CB8AC3E}">
-        <p14:creationId xmlns:p14="http://schemas.microsoft.com/office/powerpoint/2010/main" xmlns="" val="1184144985"/>
+        <p14:creationId xmlns:p14="http://schemas.microsoft.com/office/powerpoint/2010/main" val="1184144985"/>
       </p:ext>
     </p:extLst>
   </p:cSld>
@@ -26607,7 +26517,7 @@
           <p:cNvPr id="9" name="Table 8">
             <a:extLst>
               <a:ext uri="{FF2B5EF4-FFF2-40B4-BE49-F238E27FC236}">
-                <a16:creationId xmlns:a16="http://schemas.microsoft.com/office/drawing/2014/main" xmlns="" id="{1CB659F8-83E3-41EB-B220-A0E080E9D970}"/>
+                <a16:creationId xmlns:a16="http://schemas.microsoft.com/office/drawing/2014/main" id="{1CB659F8-83E3-41EB-B220-A0E080E9D970}"/>
               </a:ext>
             </a:extLst>
           </p:cNvPr>
@@ -26630,7 +26540,7 @@
                 <a:gridCol w="6658184">
                   <a:extLst>
                     <a:ext uri="{9D8B030D-6E8A-4147-A177-3AD203B41FA5}">
-                      <a16:colId xmlns:a16="http://schemas.microsoft.com/office/drawing/2014/main" xmlns="" val="1695728431"/>
+                      <a16:colId xmlns:a16="http://schemas.microsoft.com/office/drawing/2014/main" val="1695728431"/>
                     </a:ext>
                   </a:extLst>
                 </a:gridCol>
@@ -26681,7 +26591,7 @@
                 </a:tc>
                 <a:extLst>
                   <a:ext uri="{0D108BD9-81ED-4DB2-BD59-A6C34878D82A}">
-                    <a16:rowId xmlns:a16="http://schemas.microsoft.com/office/drawing/2014/main" xmlns="" val="2307098774"/>
+                    <a16:rowId xmlns:a16="http://schemas.microsoft.com/office/drawing/2014/main" val="2307098774"/>
                   </a:ext>
                 </a:extLst>
               </a:tr>
@@ -26739,7 +26649,7 @@
                 </a:tc>
                 <a:extLst>
                   <a:ext uri="{0D108BD9-81ED-4DB2-BD59-A6C34878D82A}">
-                    <a16:rowId xmlns:a16="http://schemas.microsoft.com/office/drawing/2014/main" xmlns="" val="1466711860"/>
+                    <a16:rowId xmlns:a16="http://schemas.microsoft.com/office/drawing/2014/main" val="1466711860"/>
                   </a:ext>
                 </a:extLst>
               </a:tr>
@@ -26797,7 +26707,7 @@
                 </a:tc>
                 <a:extLst>
                   <a:ext uri="{0D108BD9-81ED-4DB2-BD59-A6C34878D82A}">
-                    <a16:rowId xmlns:a16="http://schemas.microsoft.com/office/drawing/2014/main" xmlns="" val="1924402624"/>
+                    <a16:rowId xmlns:a16="http://schemas.microsoft.com/office/drawing/2014/main" val="1924402624"/>
                   </a:ext>
                 </a:extLst>
               </a:tr>
@@ -26855,7 +26765,7 @@
                 </a:tc>
                 <a:extLst>
                   <a:ext uri="{0D108BD9-81ED-4DB2-BD59-A6C34878D82A}">
-                    <a16:rowId xmlns:a16="http://schemas.microsoft.com/office/drawing/2014/main" xmlns="" val="2634114360"/>
+                    <a16:rowId xmlns:a16="http://schemas.microsoft.com/office/drawing/2014/main" val="2634114360"/>
                   </a:ext>
                 </a:extLst>
               </a:tr>
@@ -26911,7 +26821,7 @@
                 </a:tc>
                 <a:extLst>
                   <a:ext uri="{0D108BD9-81ED-4DB2-BD59-A6C34878D82A}">
-                    <a16:rowId xmlns:a16="http://schemas.microsoft.com/office/drawing/2014/main" xmlns="" val="3660763407"/>
+                    <a16:rowId xmlns:a16="http://schemas.microsoft.com/office/drawing/2014/main" val="3660763407"/>
                   </a:ext>
                 </a:extLst>
               </a:tr>
@@ -26969,7 +26879,7 @@
                 </a:tc>
                 <a:extLst>
                   <a:ext uri="{0D108BD9-81ED-4DB2-BD59-A6C34878D82A}">
-                    <a16:rowId xmlns:a16="http://schemas.microsoft.com/office/drawing/2014/main" xmlns="" val="376303497"/>
+                    <a16:rowId xmlns:a16="http://schemas.microsoft.com/office/drawing/2014/main" val="376303497"/>
                   </a:ext>
                 </a:extLst>
               </a:tr>
@@ -26980,7 +26890,7 @@
     </p:spTree>
     <p:extLst>
       <p:ext uri="{BB962C8B-B14F-4D97-AF65-F5344CB8AC3E}">
-        <p14:creationId xmlns:p14="http://schemas.microsoft.com/office/powerpoint/2010/main" xmlns="" val="3438909548"/>
+        <p14:creationId xmlns:p14="http://schemas.microsoft.com/office/powerpoint/2010/main" val="3438909548"/>
       </p:ext>
     </p:extLst>
   </p:cSld>
@@ -27338,7 +27248,7 @@
     </p:spTree>
     <p:extLst>
       <p:ext uri="{BB962C8B-B14F-4D97-AF65-F5344CB8AC3E}">
-        <p14:creationId xmlns:p14="http://schemas.microsoft.com/office/powerpoint/2010/main" xmlns="" val="3623566858"/>
+        <p14:creationId xmlns:p14="http://schemas.microsoft.com/office/powerpoint/2010/main" val="3623566858"/>
       </p:ext>
     </p:extLst>
   </p:cSld>
@@ -27621,7 +27531,7 @@
     </p:spTree>
     <p:extLst>
       <p:ext uri="{BB962C8B-B14F-4D97-AF65-F5344CB8AC3E}">
-        <p14:creationId xmlns:p14="http://schemas.microsoft.com/office/powerpoint/2010/main" xmlns="" val="2543706199"/>
+        <p14:creationId xmlns:p14="http://schemas.microsoft.com/office/powerpoint/2010/main" val="2543706199"/>
       </p:ext>
     </p:extLst>
   </p:cSld>
@@ -28253,7 +28163,7 @@
     </p:spTree>
     <p:extLst>
       <p:ext uri="{BB962C8B-B14F-4D97-AF65-F5344CB8AC3E}">
-        <p14:creationId xmlns:p14="http://schemas.microsoft.com/office/powerpoint/2010/main" xmlns="" val="2668827461"/>
+        <p14:creationId xmlns:p14="http://schemas.microsoft.com/office/powerpoint/2010/main" val="2668827461"/>
       </p:ext>
     </p:extLst>
   </p:cSld>
@@ -28861,7 +28771,7 @@
     </p:spTree>
     <p:extLst>
       <p:ext uri="{BB962C8B-B14F-4D97-AF65-F5344CB8AC3E}">
-        <p14:creationId xmlns:p14="http://schemas.microsoft.com/office/powerpoint/2010/main" xmlns="" val="143069737"/>
+        <p14:creationId xmlns:p14="http://schemas.microsoft.com/office/powerpoint/2010/main" val="143069737"/>
       </p:ext>
     </p:extLst>
   </p:cSld>
@@ -29343,7 +29253,7 @@
     </p:spTree>
     <p:extLst>
       <p:ext uri="{BB962C8B-B14F-4D97-AF65-F5344CB8AC3E}">
-        <p14:creationId xmlns:p14="http://schemas.microsoft.com/office/powerpoint/2010/main" xmlns="" val="1696075538"/>
+        <p14:creationId xmlns:p14="http://schemas.microsoft.com/office/powerpoint/2010/main" val="1696075538"/>
       </p:ext>
     </p:extLst>
   </p:cSld>
@@ -29525,7 +29435,7 @@
     </p:spTree>
     <p:extLst>
       <p:ext uri="{BB962C8B-B14F-4D97-AF65-F5344CB8AC3E}">
-        <p14:creationId xmlns:p14="http://schemas.microsoft.com/office/powerpoint/2010/main" xmlns="" val="213668453"/>
+        <p14:creationId xmlns:p14="http://schemas.microsoft.com/office/powerpoint/2010/main" val="213668453"/>
       </p:ext>
     </p:extLst>
   </p:cSld>
@@ -29920,7 +29830,7 @@
     </p:spTree>
     <p:extLst>
       <p:ext uri="{BB962C8B-B14F-4D97-AF65-F5344CB8AC3E}">
-        <p14:creationId xmlns:p14="http://schemas.microsoft.com/office/powerpoint/2010/main" xmlns="" val="1802594565"/>
+        <p14:creationId xmlns:p14="http://schemas.microsoft.com/office/powerpoint/2010/main" val="1802594565"/>
       </p:ext>
     </p:extLst>
   </p:cSld>
@@ -30332,7 +30242,7 @@
     </p:spTree>
     <p:extLst>
       <p:ext uri="{BB962C8B-B14F-4D97-AF65-F5344CB8AC3E}">
-        <p14:creationId xmlns:p14="http://schemas.microsoft.com/office/powerpoint/2010/main" xmlns="" val="2762722114"/>
+        <p14:creationId xmlns:p14="http://schemas.microsoft.com/office/powerpoint/2010/main" val="2762722114"/>
       </p:ext>
     </p:extLst>
   </p:cSld>
@@ -30471,7 +30381,7 @@
     </p:spTree>
     <p:extLst>
       <p:ext uri="{BB962C8B-B14F-4D97-AF65-F5344CB8AC3E}">
-        <p14:creationId xmlns:p14="http://schemas.microsoft.com/office/powerpoint/2010/main" xmlns="" val="1685483045"/>
+        <p14:creationId xmlns:p14="http://schemas.microsoft.com/office/powerpoint/2010/main" val="1685483045"/>
       </p:ext>
     </p:extLst>
   </p:cSld>
@@ -31041,7 +30951,7 @@
     </p:spTree>
     <p:extLst>
       <p:ext uri="{BB962C8B-B14F-4D97-AF65-F5344CB8AC3E}">
-        <p14:creationId xmlns:p14="http://schemas.microsoft.com/office/powerpoint/2010/main" xmlns="" val="1960508874"/>
+        <p14:creationId xmlns:p14="http://schemas.microsoft.com/office/powerpoint/2010/main" val="1960508874"/>
       </p:ext>
     </p:extLst>
   </p:cSld>
@@ -31206,7 +31116,7 @@
     </p:spTree>
     <p:extLst>
       <p:ext uri="{BB962C8B-B14F-4D97-AF65-F5344CB8AC3E}">
-        <p14:creationId xmlns:p14="http://schemas.microsoft.com/office/powerpoint/2010/main" xmlns="" val="2075264326"/>
+        <p14:creationId xmlns:p14="http://schemas.microsoft.com/office/powerpoint/2010/main" val="2075264326"/>
       </p:ext>
     </p:extLst>
   </p:cSld>
@@ -31645,7 +31555,7 @@
     </p:spTree>
     <p:extLst>
       <p:ext uri="{BB962C8B-B14F-4D97-AF65-F5344CB8AC3E}">
-        <p14:creationId xmlns:p14="http://schemas.microsoft.com/office/powerpoint/2010/main" xmlns="" val="3510944355"/>
+        <p14:creationId xmlns:p14="http://schemas.microsoft.com/office/powerpoint/2010/main" val="3510944355"/>
       </p:ext>
     </p:extLst>
   </p:cSld>
@@ -31694,21 +31604,7 @@
                 <a:latin typeface="Tahoma" charset="0"/>
                 <a:cs typeface="Tahoma" charset="0"/>
               </a:rPr>
-              <a:t>Exercise </a:t>
-            </a:r>
-            <a:r>
-              <a:rPr lang="en-US" dirty="0" smtClean="0">
-                <a:latin typeface="Tahoma" charset="0"/>
-                <a:cs typeface="Tahoma" charset="0"/>
-              </a:rPr>
-              <a:t>2.2</a:t>
-            </a:r>
-            <a:r>
-              <a:rPr lang="en-US" dirty="0">
-                <a:latin typeface="Tahoma" charset="0"/>
-                <a:cs typeface="Tahoma" charset="0"/>
-              </a:rPr>
-              <a:t>: Further Working with Streams</a:t>
+              <a:t>Exercise 2.2: Further Working with Streams</a:t>
             </a:r>
           </a:p>
         </p:txBody>
@@ -31763,21 +31659,7 @@
                 <a:latin typeface="Tahoma" charset="0"/>
                 <a:cs typeface="Tahoma" charset="0"/>
               </a:rPr>
-              <a:t>Hint: </a:t>
-            </a:r>
-            <a:r>
-              <a:rPr lang="en-US" dirty="0" smtClean="0">
-                <a:latin typeface="Tahoma" charset="0"/>
-                <a:cs typeface="Tahoma" charset="0"/>
-              </a:rPr>
-              <a:t>Use Employee class of previous exercise. Separate </a:t>
-            </a:r>
-            <a:r>
-              <a:rPr lang="en-US" dirty="0">
-                <a:latin typeface="Tahoma" charset="0"/>
-                <a:cs typeface="Tahoma" charset="0"/>
-              </a:rPr>
-              <a:t>method to calculate average salary should be present.</a:t>
+              <a:t>Hint: Use Employee class of previous exercise. Separate method to calculate average salary should be present.</a:t>
             </a:r>
           </a:p>
           <a:p>
@@ -31794,7 +31676,7 @@
     </p:spTree>
     <p:extLst>
       <p:ext uri="{BB962C8B-B14F-4D97-AF65-F5344CB8AC3E}">
-        <p14:creationId xmlns:p14="http://schemas.microsoft.com/office/powerpoint/2010/main" xmlns="" val="4166442684"/>
+        <p14:creationId xmlns:p14="http://schemas.microsoft.com/office/powerpoint/2010/main" val="4166442684"/>
       </p:ext>
     </p:extLst>
   </p:cSld>
@@ -32369,7 +32251,7 @@
     </p:spTree>
     <p:extLst>
       <p:ext uri="{BB962C8B-B14F-4D97-AF65-F5344CB8AC3E}">
-        <p14:creationId xmlns:p14="http://schemas.microsoft.com/office/powerpoint/2010/main" xmlns="" val="2300304576"/>
+        <p14:creationId xmlns:p14="http://schemas.microsoft.com/office/powerpoint/2010/main" val="2300304576"/>
       </p:ext>
     </p:extLst>
   </p:cSld>
@@ -32759,7 +32641,7 @@
     </p:spTree>
     <p:extLst>
       <p:ext uri="{BB962C8B-B14F-4D97-AF65-F5344CB8AC3E}">
-        <p14:creationId xmlns:p14="http://schemas.microsoft.com/office/powerpoint/2010/main" xmlns="" val="1390576194"/>
+        <p14:creationId xmlns:p14="http://schemas.microsoft.com/office/powerpoint/2010/main" val="1390576194"/>
       </p:ext>
     </p:extLst>
   </p:cSld>
@@ -32824,7 +32706,7 @@
         <p:spPr/>
         <p:txBody>
           <a:bodyPr>
-            <a:normAutofit lnSpcReduction="10000"/>
+            <a:normAutofit fontScale="92500"/>
           </a:bodyPr>
           <a:lstStyle/>
           <a:p>
@@ -33231,7 +33113,7 @@
     </p:spTree>
     <p:extLst>
       <p:ext uri="{BB962C8B-B14F-4D97-AF65-F5344CB8AC3E}">
-        <p14:creationId xmlns:p14="http://schemas.microsoft.com/office/powerpoint/2010/main" xmlns="" val="2253714520"/>
+        <p14:creationId xmlns:p14="http://schemas.microsoft.com/office/powerpoint/2010/main" val="2253714520"/>
       </p:ext>
     </p:extLst>
   </p:cSld>
@@ -33621,7 +33503,7 @@
     </p:spTree>
     <p:extLst>
       <p:ext uri="{BB962C8B-B14F-4D97-AF65-F5344CB8AC3E}">
-        <p14:creationId xmlns:p14="http://schemas.microsoft.com/office/powerpoint/2010/main" xmlns="" val="3721629876"/>
+        <p14:creationId xmlns:p14="http://schemas.microsoft.com/office/powerpoint/2010/main" val="3721629876"/>
       </p:ext>
     </p:extLst>
   </p:cSld>
@@ -34031,7 +33913,7 @@
     </p:spTree>
     <p:extLst>
       <p:ext uri="{BB962C8B-B14F-4D97-AF65-F5344CB8AC3E}">
-        <p14:creationId xmlns:p14="http://schemas.microsoft.com/office/powerpoint/2010/main" xmlns="" val="480563079"/>
+        <p14:creationId xmlns:p14="http://schemas.microsoft.com/office/powerpoint/2010/main" val="480563079"/>
       </p:ext>
     </p:extLst>
   </p:cSld>
@@ -34405,7 +34287,7 @@
     </p:spTree>
     <p:extLst>
       <p:ext uri="{BB962C8B-B14F-4D97-AF65-F5344CB8AC3E}">
-        <p14:creationId xmlns:p14="http://schemas.microsoft.com/office/powerpoint/2010/main" xmlns="" val="745687454"/>
+        <p14:creationId xmlns:p14="http://schemas.microsoft.com/office/powerpoint/2010/main" val="745687454"/>
       </p:ext>
     </p:extLst>
   </p:cSld>
@@ -34459,7 +34341,7 @@
           <p:cNvPr id="12" name="Table 11">
             <a:extLst>
               <a:ext uri="{FF2B5EF4-FFF2-40B4-BE49-F238E27FC236}">
-                <a16:creationId xmlns:a16="http://schemas.microsoft.com/office/drawing/2014/main" xmlns="" id="{8772BAB4-FE31-451A-9F24-B6F9FF55C5EF}"/>
+                <a16:creationId xmlns:a16="http://schemas.microsoft.com/office/drawing/2014/main" id="{8772BAB4-FE31-451A-9F24-B6F9FF55C5EF}"/>
               </a:ext>
             </a:extLst>
           </p:cNvPr>
@@ -34482,7 +34364,7 @@
                 <a:gridCol w="6658184">
                   <a:extLst>
                     <a:ext uri="{9D8B030D-6E8A-4147-A177-3AD203B41FA5}">
-                      <a16:colId xmlns:a16="http://schemas.microsoft.com/office/drawing/2014/main" xmlns="" val="1695728431"/>
+                      <a16:colId xmlns:a16="http://schemas.microsoft.com/office/drawing/2014/main" val="1695728431"/>
                     </a:ext>
                   </a:extLst>
                 </a:gridCol>
@@ -34531,7 +34413,7 @@
                 </a:tc>
                 <a:extLst>
                   <a:ext uri="{0D108BD9-81ED-4DB2-BD59-A6C34878D82A}">
-                    <a16:rowId xmlns:a16="http://schemas.microsoft.com/office/drawing/2014/main" xmlns="" val="2307098774"/>
+                    <a16:rowId xmlns:a16="http://schemas.microsoft.com/office/drawing/2014/main" val="2307098774"/>
                   </a:ext>
                 </a:extLst>
               </a:tr>
@@ -34589,7 +34471,7 @@
                 </a:tc>
                 <a:extLst>
                   <a:ext uri="{0D108BD9-81ED-4DB2-BD59-A6C34878D82A}">
-                    <a16:rowId xmlns:a16="http://schemas.microsoft.com/office/drawing/2014/main" xmlns="" val="1466711860"/>
+                    <a16:rowId xmlns:a16="http://schemas.microsoft.com/office/drawing/2014/main" val="1466711860"/>
                   </a:ext>
                 </a:extLst>
               </a:tr>
@@ -34647,7 +34529,7 @@
                 </a:tc>
                 <a:extLst>
                   <a:ext uri="{0D108BD9-81ED-4DB2-BD59-A6C34878D82A}">
-                    <a16:rowId xmlns:a16="http://schemas.microsoft.com/office/drawing/2014/main" xmlns="" val="1924402624"/>
+                    <a16:rowId xmlns:a16="http://schemas.microsoft.com/office/drawing/2014/main" val="1924402624"/>
                   </a:ext>
                 </a:extLst>
               </a:tr>
@@ -34705,7 +34587,7 @@
                 </a:tc>
                 <a:extLst>
                   <a:ext uri="{0D108BD9-81ED-4DB2-BD59-A6C34878D82A}">
-                    <a16:rowId xmlns:a16="http://schemas.microsoft.com/office/drawing/2014/main" xmlns="" val="2634114360"/>
+                    <a16:rowId xmlns:a16="http://schemas.microsoft.com/office/drawing/2014/main" val="2634114360"/>
                   </a:ext>
                 </a:extLst>
               </a:tr>
@@ -34763,7 +34645,7 @@
                 </a:tc>
                 <a:extLst>
                   <a:ext uri="{0D108BD9-81ED-4DB2-BD59-A6C34878D82A}">
-                    <a16:rowId xmlns:a16="http://schemas.microsoft.com/office/drawing/2014/main" xmlns="" val="3660763407"/>
+                    <a16:rowId xmlns:a16="http://schemas.microsoft.com/office/drawing/2014/main" val="3660763407"/>
                   </a:ext>
                 </a:extLst>
               </a:tr>
@@ -34821,7 +34703,7 @@
                 </a:tc>
                 <a:extLst>
                   <a:ext uri="{0D108BD9-81ED-4DB2-BD59-A6C34878D82A}">
-                    <a16:rowId xmlns:a16="http://schemas.microsoft.com/office/drawing/2014/main" xmlns="" val="376303497"/>
+                    <a16:rowId xmlns:a16="http://schemas.microsoft.com/office/drawing/2014/main" val="376303497"/>
                   </a:ext>
                 </a:extLst>
               </a:tr>
@@ -34832,7 +34714,7 @@
     </p:spTree>
     <p:extLst>
       <p:ext uri="{BB962C8B-B14F-4D97-AF65-F5344CB8AC3E}">
-        <p14:creationId xmlns:p14="http://schemas.microsoft.com/office/powerpoint/2010/main" xmlns="" val="207521694"/>
+        <p14:creationId xmlns:p14="http://schemas.microsoft.com/office/powerpoint/2010/main" val="207521694"/>
       </p:ext>
     </p:extLst>
   </p:cSld>
@@ -35230,7 +35112,7 @@
     </p:spTree>
     <p:extLst>
       <p:ext uri="{BB962C8B-B14F-4D97-AF65-F5344CB8AC3E}">
-        <p14:creationId xmlns:p14="http://schemas.microsoft.com/office/powerpoint/2010/main" xmlns="" val="1051278130"/>
+        <p14:creationId xmlns:p14="http://schemas.microsoft.com/office/powerpoint/2010/main" val="1051278130"/>
       </p:ext>
     </p:extLst>
   </p:cSld>
@@ -35276,21 +35158,8 @@
           <a:p>
             <a:r>
               <a:rPr lang="en-US" dirty="0"/>
-              <a:t>Exercise </a:t>
-            </a:r>
-            <a:r>
-              <a:rPr lang="en-US" dirty="0" smtClean="0"/>
-              <a:t>2.3</a:t>
-            </a:r>
-            <a:r>
-              <a:rPr lang="en-US" dirty="0"/>
-              <a:t>: </a:t>
-            </a:r>
-            <a:r>
-              <a:rPr lang="en-US" dirty="0" smtClean="0"/>
-              <a:t>Terminal and Non Terminal Operations exercise</a:t>
-            </a:r>
-            <a:endParaRPr lang="en-US" dirty="0"/>
+              <a:t>Exercise 2.3: Terminal and Non Terminal Operations exercise</a:t>
+            </a:r>
           </a:p>
         </p:txBody>
       </p:sp>
@@ -35316,19 +35185,7 @@
             </a:pPr>
             <a:r>
               <a:rPr lang="en-US" sz="1600" dirty="0"/>
-              <a:t>Refer to the entity relationship diagram below, customers can place multiple orders and so it is a one-to-many </a:t>
-            </a:r>
-            <a:r>
-              <a:rPr lang="en-US" sz="1600" dirty="0" smtClean="0"/>
-              <a:t>relationship while </a:t>
-            </a:r>
-            <a:r>
-              <a:rPr lang="en-US" sz="1600" dirty="0"/>
-              <a:t>the relationship between products and orders is </a:t>
-            </a:r>
-            <a:r>
-              <a:rPr lang="en-US" sz="1600" dirty="0" smtClean="0"/>
-              <a:t>many-to-many</a:t>
+              <a:t>Refer to the entity relationship diagram below, customers can place multiple orders and so it is a one-to-many relationship while the relationship between products and orders is many-to-many</a:t>
             </a:r>
           </a:p>
           <a:p>
@@ -35341,7 +35198,7 @@
             <a:pPr>
               <a:buNone/>
             </a:pPr>
-            <a:endParaRPr lang="en-US" sz="1600" dirty="0" smtClean="0"/>
+            <a:endParaRPr lang="en-US" sz="1600" dirty="0"/>
           </a:p>
           <a:p>
             <a:pPr>
@@ -35353,7 +35210,7 @@
             <a:pPr>
               <a:buNone/>
             </a:pPr>
-            <a:endParaRPr lang="en-US" sz="1600" dirty="0" smtClean="0"/>
+            <a:endParaRPr lang="en-US" sz="1600" dirty="0"/>
           </a:p>
           <a:p>
             <a:pPr>
@@ -35366,7 +35223,7 @@
               <a:buNone/>
             </a:pPr>
             <a:r>
-              <a:rPr lang="en-US" sz="1600" dirty="0" smtClean="0"/>
+              <a:rPr lang="en-US" sz="1600" dirty="0"/>
               <a:t>Create respective classes as per above diagram.</a:t>
             </a:r>
           </a:p>
@@ -35375,50 +35232,37 @@
               <a:buNone/>
             </a:pPr>
             <a:r>
-              <a:rPr lang="en-US" sz="1600" dirty="0" smtClean="0"/>
+              <a:rPr lang="en-US" sz="1600" dirty="0"/>
               <a:t>Create a collection to store data* related to </a:t>
             </a:r>
             <a:r>
-              <a:rPr lang="en-US" sz="1600" dirty="0" err="1" smtClean="0"/>
+              <a:rPr lang="en-US" sz="1600" dirty="0" err="1"/>
               <a:t>Product,Order</a:t>
             </a:r>
             <a:r>
-              <a:rPr lang="en-US" sz="1600" dirty="0" smtClean="0"/>
+              <a:rPr lang="en-US" sz="1600" dirty="0"/>
               <a:t> and Customer.</a:t>
             </a:r>
-            <a:endParaRPr lang="en-US" sz="1600" dirty="0" smtClean="0"/>
           </a:p>
           <a:p>
             <a:pPr>
               <a:buNone/>
             </a:pPr>
             <a:r>
-              <a:rPr lang="en-US" sz="1600" dirty="0" smtClean="0"/>
+              <a:rPr lang="en-US" sz="1600" dirty="0"/>
               <a:t>Create main program where logic for terminal and non terminal operations will be written as per below requirement:</a:t>
             </a:r>
           </a:p>
           <a:p>
             <a:r>
-              <a:rPr lang="en-US" sz="1600" dirty="0" smtClean="0"/>
-              <a:t>Obtain </a:t>
-            </a:r>
-            <a:r>
               <a:rPr lang="en-US" sz="1600" dirty="0"/>
-              <a:t>a list of products belongs to category “Books” with price &gt; </a:t>
-            </a:r>
-            <a:r>
-              <a:rPr lang="en-US" sz="1600" dirty="0" smtClean="0"/>
-              <a:t>100</a:t>
+              <a:t>Obtain a list of products belongs to category “Books” with price &gt; 100</a:t>
             </a:r>
           </a:p>
           <a:p>
             <a:r>
               <a:rPr lang="en-US" sz="1600" dirty="0"/>
-              <a:t>Obtain a list of order with products belong to category “Baby</a:t>
-            </a:r>
-            <a:r>
-              <a:rPr lang="en-US" sz="1600" dirty="0" smtClean="0"/>
-              <a:t>”</a:t>
+              <a:t>Obtain a list of order with products belong to category “Baby”</a:t>
             </a:r>
           </a:p>
           <a:p>
@@ -35436,11 +35280,7 @@
           <a:p>
             <a:r>
               <a:rPr lang="en-US" sz="1600" dirty="0"/>
-              <a:t>Get the cheapest products of “Books” </a:t>
-            </a:r>
-            <a:r>
-              <a:rPr lang="en-US" sz="1600" dirty="0" smtClean="0"/>
-              <a:t>category</a:t>
+              <a:t>Get the cheapest products of “Books” category</a:t>
             </a:r>
           </a:p>
           <a:p>
@@ -35448,10 +35288,9 @@
               <a:buNone/>
             </a:pPr>
             <a:r>
-              <a:rPr lang="en-US" sz="1600" dirty="0" smtClean="0"/>
+              <a:rPr lang="en-US" sz="1600" dirty="0"/>
               <a:t>*Sample Data is given here in notes.</a:t>
             </a:r>
-            <a:endParaRPr lang="en-US" sz="1600" dirty="0"/>
           </a:p>
           <a:p>
             <a:pPr>
@@ -35496,7 +35335,7 @@
     </p:spTree>
     <p:extLst>
       <p:ext uri="{BB962C8B-B14F-4D97-AF65-F5344CB8AC3E}">
-        <p14:creationId xmlns:p14="http://schemas.microsoft.com/office/powerpoint/2010/main" xmlns="" val="257875787"/>
+        <p14:creationId xmlns:p14="http://schemas.microsoft.com/office/powerpoint/2010/main" val="257875787"/>
       </p:ext>
     </p:extLst>
   </p:cSld>
@@ -35555,7 +35394,7 @@
           <p:cNvPr id="9" name="Table 8">
             <a:extLst>
               <a:ext uri="{FF2B5EF4-FFF2-40B4-BE49-F238E27FC236}">
-                <a16:creationId xmlns:a16="http://schemas.microsoft.com/office/drawing/2014/main" xmlns="" id="{4A36DC88-AC53-4B62-B25D-0282B280B785}"/>
+                <a16:creationId xmlns:a16="http://schemas.microsoft.com/office/drawing/2014/main" id="{4A36DC88-AC53-4B62-B25D-0282B280B785}"/>
               </a:ext>
             </a:extLst>
           </p:cNvPr>
@@ -35578,7 +35417,7 @@
                 <a:gridCol w="6658184">
                   <a:extLst>
                     <a:ext uri="{9D8B030D-6E8A-4147-A177-3AD203B41FA5}">
-                      <a16:colId xmlns:a16="http://schemas.microsoft.com/office/drawing/2014/main" xmlns="" val="1695728431"/>
+                      <a16:colId xmlns:a16="http://schemas.microsoft.com/office/drawing/2014/main" val="1695728431"/>
                     </a:ext>
                   </a:extLst>
                 </a:gridCol>
@@ -35629,7 +35468,7 @@
                 </a:tc>
                 <a:extLst>
                   <a:ext uri="{0D108BD9-81ED-4DB2-BD59-A6C34878D82A}">
-                    <a16:rowId xmlns:a16="http://schemas.microsoft.com/office/drawing/2014/main" xmlns="" val="2307098774"/>
+                    <a16:rowId xmlns:a16="http://schemas.microsoft.com/office/drawing/2014/main" val="2307098774"/>
                   </a:ext>
                 </a:extLst>
               </a:tr>
@@ -35687,7 +35526,7 @@
                 </a:tc>
                 <a:extLst>
                   <a:ext uri="{0D108BD9-81ED-4DB2-BD59-A6C34878D82A}">
-                    <a16:rowId xmlns:a16="http://schemas.microsoft.com/office/drawing/2014/main" xmlns="" val="1466711860"/>
+                    <a16:rowId xmlns:a16="http://schemas.microsoft.com/office/drawing/2014/main" val="1466711860"/>
                   </a:ext>
                 </a:extLst>
               </a:tr>
@@ -35745,7 +35584,7 @@
                 </a:tc>
                 <a:extLst>
                   <a:ext uri="{0D108BD9-81ED-4DB2-BD59-A6C34878D82A}">
-                    <a16:rowId xmlns:a16="http://schemas.microsoft.com/office/drawing/2014/main" xmlns="" val="1924402624"/>
+                    <a16:rowId xmlns:a16="http://schemas.microsoft.com/office/drawing/2014/main" val="1924402624"/>
                   </a:ext>
                 </a:extLst>
               </a:tr>
@@ -35803,7 +35642,7 @@
                 </a:tc>
                 <a:extLst>
                   <a:ext uri="{0D108BD9-81ED-4DB2-BD59-A6C34878D82A}">
-                    <a16:rowId xmlns:a16="http://schemas.microsoft.com/office/drawing/2014/main" xmlns="" val="2634114360"/>
+                    <a16:rowId xmlns:a16="http://schemas.microsoft.com/office/drawing/2014/main" val="2634114360"/>
                   </a:ext>
                 </a:extLst>
               </a:tr>
@@ -35861,7 +35700,7 @@
                 </a:tc>
                 <a:extLst>
                   <a:ext uri="{0D108BD9-81ED-4DB2-BD59-A6C34878D82A}">
-                    <a16:rowId xmlns:a16="http://schemas.microsoft.com/office/drawing/2014/main" xmlns="" val="3660763407"/>
+                    <a16:rowId xmlns:a16="http://schemas.microsoft.com/office/drawing/2014/main" val="3660763407"/>
                   </a:ext>
                 </a:extLst>
               </a:tr>
@@ -35917,7 +35756,7 @@
                 </a:tc>
                 <a:extLst>
                   <a:ext uri="{0D108BD9-81ED-4DB2-BD59-A6C34878D82A}">
-                    <a16:rowId xmlns:a16="http://schemas.microsoft.com/office/drawing/2014/main" xmlns="" val="376303497"/>
+                    <a16:rowId xmlns:a16="http://schemas.microsoft.com/office/drawing/2014/main" val="376303497"/>
                   </a:ext>
                 </a:extLst>
               </a:tr>
@@ -35928,7 +35767,7 @@
     </p:spTree>
     <p:extLst>
       <p:ext uri="{BB962C8B-B14F-4D97-AF65-F5344CB8AC3E}">
-        <p14:creationId xmlns:p14="http://schemas.microsoft.com/office/powerpoint/2010/main" xmlns="" val="71735859"/>
+        <p14:creationId xmlns:p14="http://schemas.microsoft.com/office/powerpoint/2010/main" val="71735859"/>
       </p:ext>
     </p:extLst>
   </p:cSld>
@@ -36067,7 +35906,7 @@
     </p:spTree>
     <p:extLst>
       <p:ext uri="{BB962C8B-B14F-4D97-AF65-F5344CB8AC3E}">
-        <p14:creationId xmlns:p14="http://schemas.microsoft.com/office/powerpoint/2010/main" xmlns="" val="185737425"/>
+        <p14:creationId xmlns:p14="http://schemas.microsoft.com/office/powerpoint/2010/main" val="185737425"/>
       </p:ext>
     </p:extLst>
   </p:cSld>
@@ -36655,7 +36494,7 @@
     </p:spTree>
     <p:extLst>
       <p:ext uri="{BB962C8B-B14F-4D97-AF65-F5344CB8AC3E}">
-        <p14:creationId xmlns:p14="http://schemas.microsoft.com/office/powerpoint/2010/main" xmlns="" val="3275187293"/>
+        <p14:creationId xmlns:p14="http://schemas.microsoft.com/office/powerpoint/2010/main" val="3275187293"/>
       </p:ext>
     </p:extLst>
   </p:cSld>
@@ -36998,7 +36837,7 @@
     </p:spTree>
     <p:extLst>
       <p:ext uri="{BB962C8B-B14F-4D97-AF65-F5344CB8AC3E}">
-        <p14:creationId xmlns:p14="http://schemas.microsoft.com/office/powerpoint/2010/main" xmlns="" val="2778179354"/>
+        <p14:creationId xmlns:p14="http://schemas.microsoft.com/office/powerpoint/2010/main" val="2778179354"/>
       </p:ext>
     </p:extLst>
   </p:cSld>
@@ -37060,7 +36899,7 @@
         <p:spPr/>
         <p:txBody>
           <a:bodyPr>
-            <a:normAutofit fontScale="92500" lnSpcReduction="10000"/>
+            <a:normAutofit fontScale="92500" lnSpcReduction="20000"/>
           </a:bodyPr>
           <a:lstStyle/>
           <a:p>
@@ -37429,7 +37268,7 @@
     </p:spTree>
     <p:extLst>
       <p:ext uri="{BB962C8B-B14F-4D97-AF65-F5344CB8AC3E}">
-        <p14:creationId xmlns:p14="http://schemas.microsoft.com/office/powerpoint/2010/main" xmlns="" val="3335734804"/>
+        <p14:creationId xmlns:p14="http://schemas.microsoft.com/office/powerpoint/2010/main" val="3335734804"/>
       </p:ext>
     </p:extLst>
   </p:cSld>
@@ -37570,7 +37409,7 @@
     </p:spTree>
     <p:extLst>
       <p:ext uri="{BB962C8B-B14F-4D97-AF65-F5344CB8AC3E}">
-        <p14:creationId xmlns:p14="http://schemas.microsoft.com/office/powerpoint/2010/main" xmlns="" val="148882364"/>
+        <p14:creationId xmlns:p14="http://schemas.microsoft.com/office/powerpoint/2010/main" val="148882364"/>
       </p:ext>
     </p:extLst>
   </p:cSld>

--- a/HAN_AdvancedJava_Ch02-Streaming API & Other Java8 Features.pptx
+++ b/HAN_AdvancedJava_Ch02-Streaming API & Other Java8 Features.pptx
@@ -23490,35 +23490,37 @@
         </p:nvSpPr>
         <p:spPr/>
         <p:txBody>
-          <a:bodyPr/>
+          <a:bodyPr>
+            <a:normAutofit/>
+          </a:bodyPr>
           <a:lstStyle/>
           <a:p>
             <a:r>
-              <a:rPr lang="en-US" dirty="0"/>
+              <a:rPr lang="en-US" sz="2000" dirty="0"/>
               <a:t>Stream operations are referred to as </a:t>
             </a:r>
             <a:r>
-              <a:rPr lang="en-US" i="1" dirty="0">
+              <a:rPr lang="en-US" sz="2000" i="1" dirty="0">
                 <a:latin typeface="Century Schoolbook" panose="02040604050505020304" pitchFamily="18" charset="0"/>
               </a:rPr>
               <a:t>lazy</a:t>
             </a:r>
             <a:r>
-              <a:rPr lang="en-US" dirty="0"/>
+              <a:rPr lang="en-US" sz="2000" dirty="0"/>
               <a:t> operations</a:t>
             </a:r>
           </a:p>
           <a:p>
             <a:pPr lvl="1"/>
             <a:r>
-              <a:rPr lang="en-US" dirty="0"/>
+              <a:rPr lang="en-US" sz="2000" dirty="0"/>
               <a:t>They are only evaluated when a terminal operation is invoked on the pipeline</a:t>
             </a:r>
           </a:p>
           <a:p>
             <a:pPr lvl="1"/>
             <a:r>
-              <a:rPr lang="en-US" dirty="0"/>
+              <a:rPr lang="en-US" sz="2000" dirty="0"/>
               <a:t>Enables intermediate operations to be merged, if possible</a:t>
             </a:r>
           </a:p>
@@ -32706,74 +32708,74 @@
         <p:spPr/>
         <p:txBody>
           <a:bodyPr>
-            <a:normAutofit fontScale="92500"/>
+            <a:normAutofit/>
           </a:bodyPr>
           <a:lstStyle/>
           <a:p>
             <a:r>
-              <a:rPr lang="en-US" dirty="0">
+              <a:rPr lang="en-US" sz="1800" dirty="0">
                 <a:latin typeface="Courier New"/>
                 <a:cs typeface="Courier New"/>
               </a:rPr>
               <a:t>flatMap()</a:t>
             </a:r>
             <a:r>
-              <a:rPr lang="en-US" dirty="0">
+              <a:rPr lang="en-US" sz="1800" dirty="0">
                 <a:latin typeface="+mj-lt"/>
                 <a:cs typeface="Courier New"/>
               </a:rPr>
               <a:t> </a:t>
             </a:r>
             <a:r>
-              <a:rPr lang="en-US" dirty="0"/>
+              <a:rPr lang="en-US" sz="1800" dirty="0"/>
               <a:t>returns a stream</a:t>
             </a:r>
           </a:p>
           <a:p>
             <a:pPr lvl="1"/>
             <a:r>
-              <a:rPr lang="en-US" dirty="0"/>
+              <a:rPr lang="en-US" sz="1800" dirty="0"/>
               <a:t>Replaces elements of input stream with contents generated by supplied mapping function</a:t>
             </a:r>
           </a:p>
           <a:p>
             <a:pPr lvl="1"/>
-            <a:endParaRPr lang="en-US" dirty="0"/>
+            <a:endParaRPr lang="en-US" sz="1800" dirty="0"/>
           </a:p>
           <a:p>
             <a:pPr lvl="1"/>
-            <a:endParaRPr lang="en-US" dirty="0"/>
+            <a:endParaRPr lang="en-US" sz="1800" dirty="0"/>
           </a:p>
           <a:p>
             <a:pPr lvl="1"/>
-            <a:endParaRPr lang="en-US" dirty="0"/>
+            <a:endParaRPr lang="en-US" sz="1800" dirty="0"/>
           </a:p>
           <a:p>
             <a:pPr lvl="1"/>
-            <a:endParaRPr lang="en-US" dirty="0"/>
+            <a:endParaRPr lang="en-US" sz="1800" dirty="0"/>
           </a:p>
           <a:p>
             <a:pPr lvl="1"/>
-            <a:endParaRPr lang="en-US" dirty="0"/>
+            <a:endParaRPr lang="en-US" sz="1800" dirty="0"/>
           </a:p>
           <a:p>
             <a:pPr lvl="1"/>
-            <a:endParaRPr lang="en-US" dirty="0"/>
-          </a:p>
-          <a:p>
-            <a:r>
-              <a:rPr lang="en-US" dirty="0">
+            <a:endParaRPr lang="en-US" sz="1800" dirty="0"/>
+          </a:p>
+          <a:p>
+            <a:r>
+              <a:rPr lang="en-US" sz="1800" dirty="0">
                 <a:latin typeface="Courier New"/>
                 <a:cs typeface="Courier New"/>
               </a:rPr>
               <a:t>flatMap()</a:t>
             </a:r>
             <a:r>
-              <a:rPr lang="en-US" dirty="0"/>
+              <a:rPr lang="en-US" sz="1800" dirty="0"/>
               <a:t> in the example above processes a </a:t>
             </a:r>
             <a:r>
-              <a:rPr lang="en-US" dirty="0">
+              <a:rPr lang="en-US" sz="1800" dirty="0">
                 <a:latin typeface="Courier New"/>
                 <a:cs typeface="Courier New"/>
               </a:rPr>
@@ -32783,33 +32785,33 @@
           <a:p>
             <a:pPr lvl="1"/>
             <a:r>
-              <a:rPr lang="en-US" dirty="0"/>
+              <a:rPr lang="en-US" sz="1800" dirty="0"/>
               <a:t>Uses </a:t>
             </a:r>
             <a:r>
-              <a:rPr lang="en-US" dirty="0">
+              <a:rPr lang="en-US" sz="1800" dirty="0">
                 <a:latin typeface="Courier New"/>
                 <a:cs typeface="Courier New"/>
               </a:rPr>
               <a:t>Arrays::stream</a:t>
             </a:r>
             <a:r>
-              <a:rPr lang="en-US" dirty="0"/>
+              <a:rPr lang="en-US" sz="1800" dirty="0"/>
               <a:t> to generate </a:t>
             </a:r>
             <a:r>
-              <a:rPr lang="en-US" dirty="0">
+              <a:rPr lang="en-US" sz="1800" dirty="0">
                 <a:latin typeface="Courier New"/>
                 <a:cs typeface="Courier New"/>
               </a:rPr>
               <a:t>Stream&lt;String&gt; </a:t>
             </a:r>
             <a:r>
-              <a:rPr lang="en-US" dirty="0"/>
+              <a:rPr lang="en-US" sz="1800" dirty="0"/>
               <a:t>from </a:t>
             </a:r>
             <a:r>
-              <a:rPr lang="en-US" dirty="0">
+              <a:rPr lang="en-US" sz="1800" dirty="0">
                 <a:latin typeface="Courier New"/>
                 <a:cs typeface="Courier New"/>
               </a:rPr>
@@ -32819,21 +32821,21 @@
           <a:p>
             <a:pPr lvl="2"/>
             <a:r>
-              <a:rPr lang="en-US" dirty="0">
+              <a:rPr lang="en-US" sz="1800" dirty="0">
                 <a:latin typeface="+mn-lt"/>
                 <a:cs typeface="Courier New"/>
               </a:rPr>
               <a:t>It </a:t>
             </a:r>
             <a:r>
-              <a:rPr lang="en-US" i="1" dirty="0">
+              <a:rPr lang="en-US" sz="1800" i="1" dirty="0">
                 <a:latin typeface="Century Schoolbook" panose="02040604050505020304" pitchFamily="18" charset="0"/>
                 <a:cs typeface="Courier New"/>
               </a:rPr>
               <a:t>flattens</a:t>
             </a:r>
             <a:r>
-              <a:rPr lang="en-US" dirty="0">
+              <a:rPr lang="en-US" sz="1800" dirty="0">
                 <a:latin typeface="+mn-lt"/>
                 <a:cs typeface="Courier New"/>
               </a:rPr>
@@ -32842,11 +32844,11 @@
           </a:p>
           <a:p>
             <a:pPr lvl="1"/>
-            <a:endParaRPr lang="en-US" dirty="0"/>
+            <a:endParaRPr lang="en-US" sz="1800" dirty="0"/>
           </a:p>
           <a:p>
             <a:pPr lvl="1"/>
-            <a:endParaRPr lang="en-US" dirty="0"/>
+            <a:endParaRPr lang="en-US" sz="1800" dirty="0"/>
           </a:p>
         </p:txBody>
       </p:sp>
